--- a/gpu/EE817 Lecture 6 CUDA Global Memory.pptx
+++ b/gpu/EE817 Lecture 6 CUDA Global Memory.pptx
@@ -278,7 +278,7 @@
           <a:p>
             <a:fld id="{0958D145-3F61-4970-8B92-DDA610F3EB4F}" type="datetimeFigureOut">
               <a:rPr lang="ko-KR" altLang="en-US" smtClean="0"/>
-              <a:t>2017-03-21</a:t>
+              <a:t>2017-03-23</a:t>
             </a:fld>
             <a:endParaRPr lang="ko-KR" altLang="en-US" dirty="0"/>
           </a:p>
@@ -473,7 +473,7 @@
               <a:pPr>
                 <a:defRPr/>
               </a:pPr>
-              <a:t>2017-03-21</a:t>
+              <a:t>2017-03-23</a:t>
             </a:fld>
             <a:endParaRPr lang="ko-KR" altLang="en-US" dirty="0"/>
           </a:p>
@@ -1245,7 +1245,7 @@
               <a:pPr>
                 <a:defRPr/>
               </a:pPr>
-              <a:t>3/21/2017</a:t>
+              <a:t>3/23/2017</a:t>
             </a:fld>
             <a:endParaRPr lang="en-US" altLang="ko-KR" dirty="0"/>
           </a:p>
@@ -1447,7 +1447,7 @@
               <a:pPr>
                 <a:defRPr/>
               </a:pPr>
-              <a:t>3/21/2017</a:t>
+              <a:t>3/23/2017</a:t>
             </a:fld>
             <a:endParaRPr lang="en-US" altLang="ko-KR" dirty="0"/>
           </a:p>
@@ -1880,7 +1880,7 @@
               <a:pPr>
                 <a:defRPr/>
               </a:pPr>
-              <a:t>3/21/2017</a:t>
+              <a:t>3/23/2017</a:t>
             </a:fld>
             <a:endParaRPr lang="en-US" altLang="ko-KR" dirty="0"/>
           </a:p>
@@ -2077,7 +2077,7 @@
               <a:pPr>
                 <a:defRPr/>
               </a:pPr>
-              <a:t>3/21/2017</a:t>
+              <a:t>3/23/2017</a:t>
             </a:fld>
             <a:endParaRPr lang="en-US" altLang="ko-KR" dirty="0"/>
           </a:p>
@@ -2592,7 +2592,7 @@
               <a:pPr>
                 <a:defRPr/>
               </a:pPr>
-              <a:t>3/21/2017</a:t>
+              <a:t>3/23/2017</a:t>
             </a:fld>
             <a:endParaRPr lang="en-US" altLang="ko-KR" dirty="0"/>
           </a:p>
@@ -2907,7 +2907,7 @@
               <a:pPr>
                 <a:defRPr/>
               </a:pPr>
-              <a:t>3/21/2017</a:t>
+              <a:t>3/23/2017</a:t>
             </a:fld>
             <a:endParaRPr lang="en-US" altLang="ko-KR" dirty="0"/>
           </a:p>
@@ -3410,7 +3410,7 @@
               <a:pPr>
                 <a:defRPr/>
               </a:pPr>
-              <a:t>3/21/2017</a:t>
+              <a:t>3/23/2017</a:t>
             </a:fld>
             <a:endParaRPr lang="en-US" altLang="ko-KR" dirty="0"/>
           </a:p>
@@ -3798,7 +3798,7 @@
               <a:pPr>
                 <a:defRPr/>
               </a:pPr>
-              <a:t>3/21/2017</a:t>
+              <a:t>3/23/2017</a:t>
             </a:fld>
             <a:endParaRPr lang="en-US" altLang="ko-KR" dirty="0"/>
           </a:p>
@@ -4256,7 +4256,7 @@
               <a:pPr>
                 <a:defRPr/>
               </a:pPr>
-              <a:t>3/21/2017</a:t>
+              <a:t>3/23/2017</a:t>
             </a:fld>
             <a:endParaRPr lang="en-US" altLang="ko-KR" dirty="0"/>
           </a:p>
@@ -4554,7 +4554,7 @@
               <a:pPr>
                 <a:defRPr/>
               </a:pPr>
-              <a:t>3/21/2017</a:t>
+              <a:t>3/23/2017</a:t>
             </a:fld>
             <a:endParaRPr lang="en-US" altLang="ko-KR" dirty="0"/>
           </a:p>
@@ -4884,7 +4884,7 @@
               <a:pPr>
                 <a:defRPr/>
               </a:pPr>
-              <a:t>3/21/2017</a:t>
+              <a:t>3/23/2017</a:t>
             </a:fld>
             <a:endParaRPr lang="en-US" altLang="ko-KR" dirty="0"/>
           </a:p>
@@ -5402,7 +5402,7 @@
               <a:pPr>
                 <a:defRPr/>
               </a:pPr>
-              <a:t>3/21/2017</a:t>
+              <a:t>3/23/2017</a:t>
             </a:fld>
             <a:endParaRPr lang="en-US" altLang="ko-KR" dirty="0"/>
           </a:p>
@@ -16045,6 +16045,64 @@
           </a:p>
         </p:txBody>
       </p:sp>
+      <p:sp>
+        <p:nvSpPr>
+          <p:cNvPr id="9" name="TextBox 8"/>
+          <p:cNvSpPr txBox="1"/>
+          <p:nvPr/>
+        </p:nvSpPr>
+        <p:spPr>
+          <a:xfrm>
+            <a:off x="6156176" y="2204864"/>
+            <a:ext cx="2736304" cy="369332"/>
+          </a:xfrm>
+          <a:prstGeom prst="rect">
+            <a:avLst/>
+          </a:prstGeom>
+          <a:noFill/>
+        </p:spPr>
+        <p:txBody>
+          <a:bodyPr wrap="square" rtlCol="0">
+            <a:spAutoFit/>
+          </a:bodyPr>
+          <a:lstStyle/>
+          <a:p>
+            <a:r>
+              <a:rPr lang="en-US" altLang="ko-KR" b="1" dirty="0">
+                <a:latin typeface="+mn-lt"/>
+              </a:rPr>
+              <a:t>(</a:t>
+            </a:r>
+            <a:r>
+              <a:rPr lang="en-US" altLang="ko-KR" b="1" dirty="0" err="1">
+                <a:latin typeface="+mn-lt"/>
+              </a:rPr>
+              <a:t>blockIdx.x</a:t>
+            </a:r>
+            <a:r>
+              <a:rPr lang="en-US" altLang="ko-KR" b="1" dirty="0">
+                <a:latin typeface="+mn-lt"/>
+              </a:rPr>
+              <a:t> , </a:t>
+            </a:r>
+            <a:r>
+              <a:rPr lang="en-US" altLang="ko-KR" b="1" dirty="0" err="1">
+                <a:latin typeface="+mn-lt"/>
+              </a:rPr>
+              <a:t>blockIdx.y</a:t>
+            </a:r>
+            <a:r>
+              <a:rPr lang="en-US" altLang="ko-KR" b="1" dirty="0">
+                <a:latin typeface="+mn-lt"/>
+              </a:rPr>
+              <a:t>)</a:t>
+            </a:r>
+            <a:endParaRPr lang="ko-KR" altLang="en-US" b="1" dirty="0">
+              <a:latin typeface="+mn-lt"/>
+            </a:endParaRPr>
+          </a:p>
+        </p:txBody>
+      </p:sp>
     </p:spTree>
     <p:extLst>
       <p:ext uri="{BB962C8B-B14F-4D97-AF65-F5344CB8AC3E}">
@@ -17093,6 +17151,40 @@
           </a:p>
         </p:txBody>
       </p:sp>
+      <p:sp>
+        <p:nvSpPr>
+          <p:cNvPr id="3" name="TextBox 2"/>
+          <p:cNvSpPr txBox="1"/>
+          <p:nvPr/>
+        </p:nvSpPr>
+        <p:spPr>
+          <a:xfrm>
+            <a:off x="6254473" y="2924944"/>
+            <a:ext cx="2889527" cy="646331"/>
+          </a:xfrm>
+          <a:prstGeom prst="rect">
+            <a:avLst/>
+          </a:prstGeom>
+          <a:noFill/>
+        </p:spPr>
+        <p:txBody>
+          <a:bodyPr wrap="square" rtlCol="0">
+            <a:spAutoFit/>
+          </a:bodyPr>
+          <a:lstStyle/>
+          <a:p>
+            <a:r>
+              <a:rPr lang="en-US" altLang="ko-KR" dirty="0" err="1"/>
+              <a:t>blockIdx.y</a:t>
+            </a:r>
+            <a:r>
+              <a:rPr lang="en-US" altLang="ko-KR" dirty="0"/>
+              <a:t> shift to right circularly</a:t>
+            </a:r>
+            <a:endParaRPr lang="ko-KR" altLang="en-US" dirty="0"/>
+          </a:p>
+        </p:txBody>
+      </p:sp>
     </p:spTree>
     <p:extLst>
       <p:ext uri="{BB962C8B-B14F-4D97-AF65-F5344CB8AC3E}">
@@ -17313,25 +17405,6 @@
               <a:rPr lang="en-US" altLang="ko-KR" dirty="0"/>
               <a:t>Partition Camping</a:t>
             </a:r>
-            <a:endParaRPr lang="ko-KR" altLang="en-US" dirty="0"/>
-          </a:p>
-        </p:txBody>
-      </p:sp>
-      <p:sp>
-        <p:nvSpPr>
-          <p:cNvPr id="3" name="내용 개체 틀 2"/>
-          <p:cNvSpPr>
-            <a:spLocks noGrp="1"/>
-          </p:cNvSpPr>
-          <p:nvPr>
-            <p:ph idx="1"/>
-          </p:nvPr>
-        </p:nvSpPr>
-        <p:spPr/>
-        <p:txBody>
-          <a:bodyPr/>
-          <a:lstStyle/>
-          <a:p>
             <a:endParaRPr lang="ko-KR" altLang="en-US" dirty="0"/>
           </a:p>
         </p:txBody>
@@ -21559,25 +21632,6 @@
           <a:chExt cx="0" cy="0"/>
         </a:xfrm>
       </p:grpSpPr>
-      <p:sp>
-        <p:nvSpPr>
-          <p:cNvPr id="2" name="제목 1"/>
-          <p:cNvSpPr>
-            <a:spLocks noGrp="1"/>
-          </p:cNvSpPr>
-          <p:nvPr>
-            <p:ph type="title"/>
-          </p:nvPr>
-        </p:nvSpPr>
-        <p:spPr/>
-        <p:txBody>
-          <a:bodyPr/>
-          <a:lstStyle/>
-          <a:p>
-            <a:endParaRPr lang="ko-KR" altLang="en-US"/>
-          </a:p>
-        </p:txBody>
-      </p:sp>
       <p:sp>
         <p:nvSpPr>
           <p:cNvPr id="3" name="내용 개체 틀 2"/>
@@ -21845,25 +21899,6 @@
           <a:chExt cx="0" cy="0"/>
         </a:xfrm>
       </p:grpSpPr>
-      <p:sp>
-        <p:nvSpPr>
-          <p:cNvPr id="2" name="제목 1"/>
-          <p:cNvSpPr>
-            <a:spLocks noGrp="1"/>
-          </p:cNvSpPr>
-          <p:nvPr>
-            <p:ph type="title"/>
-          </p:nvPr>
-        </p:nvSpPr>
-        <p:spPr/>
-        <p:txBody>
-          <a:bodyPr/>
-          <a:lstStyle/>
-          <a:p>
-            <a:endParaRPr lang="ko-KR" altLang="en-US"/>
-          </a:p>
-        </p:txBody>
-      </p:sp>
       <p:pic>
         <p:nvPicPr>
           <p:cNvPr id="2050" name="Picture 2"/>
@@ -22161,7 +22196,6 @@
               <a:rPr lang="en-US" altLang="ko-KR" dirty="0"/>
               <a:t>Number of Required Warps</a:t>
             </a:r>
-            <a:endParaRPr lang="en-US" altLang="ko-KR" dirty="0"/>
           </a:p>
           <a:p>
             <a:pPr marL="0" indent="0">
@@ -22171,7 +22205,6 @@
               <a:rPr lang="en-US" altLang="ko-KR" dirty="0"/>
               <a:t>	=Throughput x Latency.</a:t>
             </a:r>
-            <a:endParaRPr lang="en-US" altLang="ko-KR" dirty="0"/>
           </a:p>
           <a:p>
             <a:r>

--- a/gpu/EE817 Lecture 6 CUDA Global Memory.pptx
+++ b/gpu/EE817 Lecture 6 CUDA Global Memory.pptx
@@ -278,7 +278,7 @@
           <a:p>
             <a:fld id="{0958D145-3F61-4970-8B92-DDA610F3EB4F}" type="datetimeFigureOut">
               <a:rPr lang="ko-KR" altLang="en-US" smtClean="0"/>
-              <a:t>2017-03-21</a:t>
+              <a:t>2017-03-23</a:t>
             </a:fld>
             <a:endParaRPr lang="ko-KR" altLang="en-US" dirty="0"/>
           </a:p>
@@ -473,7 +473,7 @@
               <a:pPr>
                 <a:defRPr/>
               </a:pPr>
-              <a:t>2017-03-21</a:t>
+              <a:t>2017-03-23</a:t>
             </a:fld>
             <a:endParaRPr lang="ko-KR" altLang="en-US" dirty="0"/>
           </a:p>
@@ -1245,7 +1245,7 @@
               <a:pPr>
                 <a:defRPr/>
               </a:pPr>
-              <a:t>3/21/2017</a:t>
+              <a:t>3/23/2017</a:t>
             </a:fld>
             <a:endParaRPr lang="en-US" altLang="ko-KR" dirty="0"/>
           </a:p>
@@ -1447,7 +1447,7 @@
               <a:pPr>
                 <a:defRPr/>
               </a:pPr>
-              <a:t>3/21/2017</a:t>
+              <a:t>3/23/2017</a:t>
             </a:fld>
             <a:endParaRPr lang="en-US" altLang="ko-KR" dirty="0"/>
           </a:p>
@@ -1880,7 +1880,7 @@
               <a:pPr>
                 <a:defRPr/>
               </a:pPr>
-              <a:t>3/21/2017</a:t>
+              <a:t>3/23/2017</a:t>
             </a:fld>
             <a:endParaRPr lang="en-US" altLang="ko-KR" dirty="0"/>
           </a:p>
@@ -2077,7 +2077,7 @@
               <a:pPr>
                 <a:defRPr/>
               </a:pPr>
-              <a:t>3/21/2017</a:t>
+              <a:t>3/23/2017</a:t>
             </a:fld>
             <a:endParaRPr lang="en-US" altLang="ko-KR" dirty="0"/>
           </a:p>
@@ -2592,7 +2592,7 @@
               <a:pPr>
                 <a:defRPr/>
               </a:pPr>
-              <a:t>3/21/2017</a:t>
+              <a:t>3/23/2017</a:t>
             </a:fld>
             <a:endParaRPr lang="en-US" altLang="ko-KR" dirty="0"/>
           </a:p>
@@ -2907,7 +2907,7 @@
               <a:pPr>
                 <a:defRPr/>
               </a:pPr>
-              <a:t>3/21/2017</a:t>
+              <a:t>3/23/2017</a:t>
             </a:fld>
             <a:endParaRPr lang="en-US" altLang="ko-KR" dirty="0"/>
           </a:p>
@@ -3410,7 +3410,7 @@
               <a:pPr>
                 <a:defRPr/>
               </a:pPr>
-              <a:t>3/21/2017</a:t>
+              <a:t>3/23/2017</a:t>
             </a:fld>
             <a:endParaRPr lang="en-US" altLang="ko-KR" dirty="0"/>
           </a:p>
@@ -3798,7 +3798,7 @@
               <a:pPr>
                 <a:defRPr/>
               </a:pPr>
-              <a:t>3/21/2017</a:t>
+              <a:t>3/23/2017</a:t>
             </a:fld>
             <a:endParaRPr lang="en-US" altLang="ko-KR" dirty="0"/>
           </a:p>
@@ -4256,7 +4256,7 @@
               <a:pPr>
                 <a:defRPr/>
               </a:pPr>
-              <a:t>3/21/2017</a:t>
+              <a:t>3/23/2017</a:t>
             </a:fld>
             <a:endParaRPr lang="en-US" altLang="ko-KR" dirty="0"/>
           </a:p>
@@ -4554,7 +4554,7 @@
               <a:pPr>
                 <a:defRPr/>
               </a:pPr>
-              <a:t>3/21/2017</a:t>
+              <a:t>3/23/2017</a:t>
             </a:fld>
             <a:endParaRPr lang="en-US" altLang="ko-KR" dirty="0"/>
           </a:p>
@@ -4884,7 +4884,7 @@
               <a:pPr>
                 <a:defRPr/>
               </a:pPr>
-              <a:t>3/21/2017</a:t>
+              <a:t>3/23/2017</a:t>
             </a:fld>
             <a:endParaRPr lang="en-US" altLang="ko-KR" dirty="0"/>
           </a:p>
@@ -5402,7 +5402,7 @@
               <a:pPr>
                 <a:defRPr/>
               </a:pPr>
-              <a:t>3/21/2017</a:t>
+              <a:t>3/23/2017</a:t>
             </a:fld>
             <a:endParaRPr lang="en-US" altLang="ko-KR" dirty="0"/>
           </a:p>
@@ -6057,7 +6057,7 @@
         <p:spPr>
           <a:xfrm>
             <a:off x="323528" y="1196752"/>
-            <a:ext cx="8686800" cy="4525963"/>
+            <a:ext cx="8686800" cy="5472608"/>
           </a:xfrm>
         </p:spPr>
         <p:txBody>
@@ -6292,6 +6292,31 @@
             <a:r>
               <a:rPr lang="en-US" altLang="ko-KR" sz="2000" dirty="0"/>
               <a:t>;</a:t>
+            </a:r>
+          </a:p>
+          <a:p>
+            <a:pPr marL="0" indent="0">
+              <a:buNone/>
+            </a:pPr>
+            <a:r>
+              <a:rPr lang="en-US" altLang="ko-KR" sz="2000" dirty="0"/>
+              <a:t>	unsigned </a:t>
+            </a:r>
+            <a:r>
+              <a:rPr lang="en-US" altLang="ko-KR" sz="2000" dirty="0" err="1"/>
+              <a:t>int</a:t>
+            </a:r>
+            <a:r>
+              <a:rPr lang="en-US" altLang="ko-KR" sz="2000" dirty="0"/>
+              <a:t> k = </a:t>
+            </a:r>
+            <a:r>
+              <a:rPr lang="en-US" altLang="ko-KR" sz="2000" dirty="0" err="1"/>
+              <a:t>i</a:t>
+            </a:r>
+            <a:r>
+              <a:rPr lang="en-US" altLang="ko-KR" sz="2000" dirty="0"/>
+              <a:t> + offset;</a:t>
             </a:r>
           </a:p>
           <a:p>
@@ -6502,25 +6527,6 @@
           <a:chExt cx="0" cy="0"/>
         </a:xfrm>
       </p:grpSpPr>
-      <p:sp>
-        <p:nvSpPr>
-          <p:cNvPr id="2" name="제목 1"/>
-          <p:cNvSpPr>
-            <a:spLocks noGrp="1"/>
-          </p:cNvSpPr>
-          <p:nvPr>
-            <p:ph type="title"/>
-          </p:nvPr>
-        </p:nvSpPr>
-        <p:spPr/>
-        <p:txBody>
-          <a:bodyPr/>
-          <a:lstStyle/>
-          <a:p>
-            <a:endParaRPr lang="ko-KR" altLang="en-US"/>
-          </a:p>
-        </p:txBody>
-      </p:sp>
       <p:pic>
         <p:nvPicPr>
           <p:cNvPr id="4098" name="Picture 2"/>
@@ -22161,7 +22167,6 @@
               <a:rPr lang="en-US" altLang="ko-KR" dirty="0"/>
               <a:t>Number of Required Warps</a:t>
             </a:r>
-            <a:endParaRPr lang="en-US" altLang="ko-KR" dirty="0"/>
           </a:p>
           <a:p>
             <a:pPr marL="0" indent="0">
@@ -22171,7 +22176,6 @@
               <a:rPr lang="en-US" altLang="ko-KR" dirty="0"/>
               <a:t>	=Throughput x Latency.</a:t>
             </a:r>
-            <a:endParaRPr lang="en-US" altLang="ko-KR" dirty="0"/>
           </a:p>
           <a:p>
             <a:r>

--- a/gpu/EE817 Lecture 6 CUDA Global Memory.pptx
+++ b/gpu/EE817 Lecture 6 CUDA Global Memory.pptx
@@ -5,50 +5,53 @@
     <p:sldMasterId id="2147483660" r:id="rId1"/>
   </p:sldMasterIdLst>
   <p:notesMasterIdLst>
-    <p:notesMasterId r:id="rId40"/>
+    <p:notesMasterId r:id="rId43"/>
   </p:notesMasterIdLst>
   <p:handoutMasterIdLst>
-    <p:handoutMasterId r:id="rId41"/>
+    <p:handoutMasterId r:id="rId44"/>
   </p:handoutMasterIdLst>
   <p:sldIdLst>
     <p:sldId id="282" r:id="rId2"/>
     <p:sldId id="364" r:id="rId3"/>
-    <p:sldId id="388" r:id="rId4"/>
-    <p:sldId id="389" r:id="rId5"/>
-    <p:sldId id="390" r:id="rId6"/>
-    <p:sldId id="391" r:id="rId7"/>
-    <p:sldId id="392" r:id="rId8"/>
-    <p:sldId id="386" r:id="rId9"/>
-    <p:sldId id="387" r:id="rId10"/>
-    <p:sldId id="362" r:id="rId11"/>
-    <p:sldId id="396" r:id="rId12"/>
-    <p:sldId id="380" r:id="rId13"/>
-    <p:sldId id="355" r:id="rId14"/>
-    <p:sldId id="356" r:id="rId15"/>
-    <p:sldId id="365" r:id="rId16"/>
-    <p:sldId id="366" r:id="rId17"/>
-    <p:sldId id="372" r:id="rId18"/>
-    <p:sldId id="368" r:id="rId19"/>
-    <p:sldId id="367" r:id="rId20"/>
-    <p:sldId id="373" r:id="rId21"/>
-    <p:sldId id="369" r:id="rId22"/>
-    <p:sldId id="371" r:id="rId23"/>
-    <p:sldId id="381" r:id="rId24"/>
-    <p:sldId id="382" r:id="rId25"/>
-    <p:sldId id="375" r:id="rId26"/>
-    <p:sldId id="377" r:id="rId27"/>
-    <p:sldId id="378" r:id="rId28"/>
-    <p:sldId id="397" r:id="rId29"/>
-    <p:sldId id="398" r:id="rId30"/>
-    <p:sldId id="399" r:id="rId31"/>
-    <p:sldId id="403" r:id="rId32"/>
-    <p:sldId id="400" r:id="rId33"/>
-    <p:sldId id="404" r:id="rId34"/>
-    <p:sldId id="393" r:id="rId35"/>
-    <p:sldId id="379" r:id="rId36"/>
-    <p:sldId id="395" r:id="rId37"/>
-    <p:sldId id="401" r:id="rId38"/>
-    <p:sldId id="402" r:id="rId39"/>
+    <p:sldId id="405" r:id="rId4"/>
+    <p:sldId id="388" r:id="rId5"/>
+    <p:sldId id="389" r:id="rId6"/>
+    <p:sldId id="390" r:id="rId7"/>
+    <p:sldId id="391" r:id="rId8"/>
+    <p:sldId id="392" r:id="rId9"/>
+    <p:sldId id="386" r:id="rId10"/>
+    <p:sldId id="387" r:id="rId11"/>
+    <p:sldId id="362" r:id="rId12"/>
+    <p:sldId id="396" r:id="rId13"/>
+    <p:sldId id="380" r:id="rId14"/>
+    <p:sldId id="355" r:id="rId15"/>
+    <p:sldId id="356" r:id="rId16"/>
+    <p:sldId id="365" r:id="rId17"/>
+    <p:sldId id="366" r:id="rId18"/>
+    <p:sldId id="372" r:id="rId19"/>
+    <p:sldId id="368" r:id="rId20"/>
+    <p:sldId id="367" r:id="rId21"/>
+    <p:sldId id="373" r:id="rId22"/>
+    <p:sldId id="369" r:id="rId23"/>
+    <p:sldId id="406" r:id="rId24"/>
+    <p:sldId id="371" r:id="rId25"/>
+    <p:sldId id="381" r:id="rId26"/>
+    <p:sldId id="382" r:id="rId27"/>
+    <p:sldId id="375" r:id="rId28"/>
+    <p:sldId id="377" r:id="rId29"/>
+    <p:sldId id="378" r:id="rId30"/>
+    <p:sldId id="397" r:id="rId31"/>
+    <p:sldId id="398" r:id="rId32"/>
+    <p:sldId id="399" r:id="rId33"/>
+    <p:sldId id="407" r:id="rId34"/>
+    <p:sldId id="403" r:id="rId35"/>
+    <p:sldId id="400" r:id="rId36"/>
+    <p:sldId id="404" r:id="rId37"/>
+    <p:sldId id="393" r:id="rId38"/>
+    <p:sldId id="379" r:id="rId39"/>
+    <p:sldId id="395" r:id="rId40"/>
+    <p:sldId id="401" r:id="rId41"/>
+    <p:sldId id="402" r:id="rId42"/>
   </p:sldIdLst>
   <p:sldSz cx="9144000" cy="6858000" type="screen4x3"/>
   <p:notesSz cx="9874250" cy="6797675"/>
@@ -278,7 +281,7 @@
           <a:p>
             <a:fld id="{0958D145-3F61-4970-8B92-DDA610F3EB4F}" type="datetimeFigureOut">
               <a:rPr lang="ko-KR" altLang="en-US" smtClean="0"/>
-              <a:t>2017-03-23</a:t>
+              <a:t>2017-04-18</a:t>
             </a:fld>
             <a:endParaRPr lang="ko-KR" altLang="en-US" dirty="0"/>
           </a:p>
@@ -473,7 +476,7 @@
               <a:pPr>
                 <a:defRPr/>
               </a:pPr>
-              <a:t>2017-03-23</a:t>
+              <a:t>2017-04-17</a:t>
             </a:fld>
             <a:endParaRPr lang="ko-KR" altLang="en-US" dirty="0"/>
           </a:p>
@@ -1245,7 +1248,7 @@
               <a:pPr>
                 <a:defRPr/>
               </a:pPr>
-              <a:t>3/23/2017</a:t>
+              <a:t>4/17/2017</a:t>
             </a:fld>
             <a:endParaRPr lang="en-US" altLang="ko-KR" dirty="0"/>
           </a:p>
@@ -1447,7 +1450,7 @@
               <a:pPr>
                 <a:defRPr/>
               </a:pPr>
-              <a:t>3/23/2017</a:t>
+              <a:t>4/17/2017</a:t>
             </a:fld>
             <a:endParaRPr lang="en-US" altLang="ko-KR" dirty="0"/>
           </a:p>
@@ -1880,7 +1883,7 @@
               <a:pPr>
                 <a:defRPr/>
               </a:pPr>
-              <a:t>3/23/2017</a:t>
+              <a:t>4/17/2017</a:t>
             </a:fld>
             <a:endParaRPr lang="en-US" altLang="ko-KR" dirty="0"/>
           </a:p>
@@ -2077,7 +2080,7 @@
               <a:pPr>
                 <a:defRPr/>
               </a:pPr>
-              <a:t>3/23/2017</a:t>
+              <a:t>4/17/2017</a:t>
             </a:fld>
             <a:endParaRPr lang="en-US" altLang="ko-KR" dirty="0"/>
           </a:p>
@@ -2592,7 +2595,7 @@
               <a:pPr>
                 <a:defRPr/>
               </a:pPr>
-              <a:t>3/23/2017</a:t>
+              <a:t>4/17/2017</a:t>
             </a:fld>
             <a:endParaRPr lang="en-US" altLang="ko-KR" dirty="0"/>
           </a:p>
@@ -2907,7 +2910,7 @@
               <a:pPr>
                 <a:defRPr/>
               </a:pPr>
-              <a:t>3/23/2017</a:t>
+              <a:t>4/17/2017</a:t>
             </a:fld>
             <a:endParaRPr lang="en-US" altLang="ko-KR" dirty="0"/>
           </a:p>
@@ -3410,7 +3413,7 @@
               <a:pPr>
                 <a:defRPr/>
               </a:pPr>
-              <a:t>3/23/2017</a:t>
+              <a:t>4/17/2017</a:t>
             </a:fld>
             <a:endParaRPr lang="en-US" altLang="ko-KR" dirty="0"/>
           </a:p>
@@ -3798,7 +3801,7 @@
               <a:pPr>
                 <a:defRPr/>
               </a:pPr>
-              <a:t>3/23/2017</a:t>
+              <a:t>4/17/2017</a:t>
             </a:fld>
             <a:endParaRPr lang="en-US" altLang="ko-KR" dirty="0"/>
           </a:p>
@@ -4256,7 +4259,7 @@
               <a:pPr>
                 <a:defRPr/>
               </a:pPr>
-              <a:t>3/23/2017</a:t>
+              <a:t>4/17/2017</a:t>
             </a:fld>
             <a:endParaRPr lang="en-US" altLang="ko-KR" dirty="0"/>
           </a:p>
@@ -4554,7 +4557,7 @@
               <a:pPr>
                 <a:defRPr/>
               </a:pPr>
-              <a:t>3/23/2017</a:t>
+              <a:t>4/17/2017</a:t>
             </a:fld>
             <a:endParaRPr lang="en-US" altLang="ko-KR" dirty="0"/>
           </a:p>
@@ -4884,7 +4887,7 @@
               <a:pPr>
                 <a:defRPr/>
               </a:pPr>
-              <a:t>3/23/2017</a:t>
+              <a:t>4/17/2017</a:t>
             </a:fld>
             <a:endParaRPr lang="en-US" altLang="ko-KR" dirty="0"/>
           </a:p>
@@ -5402,7 +5405,7 @@
               <a:pPr>
                 <a:defRPr/>
               </a:pPr>
-              <a:t>3/23/2017</a:t>
+              <a:t>4/17/2017</a:t>
             </a:fld>
             <a:endParaRPr lang="en-US" altLang="ko-KR" dirty="0"/>
           </a:p>
@@ -6014,6 +6017,102 @@
             <p:ph type="title"/>
           </p:nvPr>
         </p:nvSpPr>
+        <p:spPr/>
+        <p:txBody>
+          <a:bodyPr/>
+          <a:lstStyle/>
+          <a:p>
+            <a:r>
+              <a:rPr lang="en-US" altLang="ko-KR" sz="3600" dirty="0"/>
+              <a:t>Advantage of the unrolling loop?</a:t>
+            </a:r>
+            <a:endParaRPr lang="ko-KR" altLang="en-US" sz="3600" dirty="0"/>
+          </a:p>
+        </p:txBody>
+      </p:sp>
+      <p:sp>
+        <p:nvSpPr>
+          <p:cNvPr id="3" name="내용 개체 틀 2"/>
+          <p:cNvSpPr>
+            <a:spLocks noGrp="1"/>
+          </p:cNvSpPr>
+          <p:nvPr>
+            <p:ph idx="1"/>
+          </p:nvPr>
+        </p:nvSpPr>
+        <p:spPr/>
+        <p:txBody>
+          <a:bodyPr/>
+          <a:lstStyle/>
+          <a:p>
+            <a:r>
+              <a:rPr lang="en-US" altLang="ko-KR" sz="2400" dirty="0"/>
+              <a:t>In the unrolled loop, the condition </a:t>
+            </a:r>
+            <a:r>
+              <a:rPr lang="en-US" altLang="ko-KR" sz="2400" dirty="0" err="1"/>
+              <a:t>i</a:t>
+            </a:r>
+            <a:r>
+              <a:rPr lang="en-US" altLang="ko-KR" sz="2400" dirty="0"/>
+              <a:t>&lt;100 is only checked 25 times instead of 100 times.</a:t>
+            </a:r>
+          </a:p>
+          <a:p>
+            <a:r>
+              <a:rPr lang="en-US" altLang="ko-KR" sz="2400" dirty="0"/>
+              <a:t>The reads and writes performed in each statement of each loop are independent, the memory operations can be issued simultaneously by the CPU.</a:t>
+            </a:r>
+          </a:p>
+          <a:p>
+            <a:r>
+              <a:rPr lang="en-US" altLang="ko-KR" sz="2400" dirty="0"/>
+              <a:t>Unrolling in CUDA, more concurrent operations are added to the pipeline leading to higher saturation of instruction and memory bandwidth. This provides the warp scheduler with more eligible warps that can help hide instruction or memory latency.</a:t>
+            </a:r>
+            <a:endParaRPr lang="ko-KR" altLang="en-US" sz="2400" dirty="0"/>
+          </a:p>
+        </p:txBody>
+      </p:sp>
+    </p:spTree>
+    <p:extLst>
+      <p:ext uri="{BB962C8B-B14F-4D97-AF65-F5344CB8AC3E}">
+        <p14:creationId xmlns:p14="http://schemas.microsoft.com/office/powerpoint/2010/main" val="1572394556"/>
+      </p:ext>
+    </p:extLst>
+  </p:cSld>
+  <p:clrMapOvr>
+    <a:masterClrMapping/>
+  </p:clrMapOvr>
+</p:sld>
+</file>
+
+<file path=ppt/slides/slide11.xml><?xml version="1.0" encoding="utf-8"?>
+<p:sld xmlns:a="http://schemas.openxmlformats.org/drawingml/2006/main" xmlns:r="http://schemas.openxmlformats.org/officeDocument/2006/relationships" xmlns:p="http://schemas.openxmlformats.org/presentationml/2006/main">
+  <p:cSld>
+    <p:spTree>
+      <p:nvGrpSpPr>
+        <p:cNvPr id="1" name=""/>
+        <p:cNvGrpSpPr/>
+        <p:nvPr/>
+      </p:nvGrpSpPr>
+      <p:grpSpPr>
+        <a:xfrm>
+          <a:off x="0" y="0"/>
+          <a:ext cx="0" cy="0"/>
+          <a:chOff x="0" y="0"/>
+          <a:chExt cx="0" cy="0"/>
+        </a:xfrm>
+      </p:grpSpPr>
+      <p:sp>
+        <p:nvSpPr>
+          <p:cNvPr id="2" name="제목 1"/>
+          <p:cNvSpPr>
+            <a:spLocks noGrp="1"/>
+          </p:cNvSpPr>
+          <p:nvPr>
+            <p:ph type="title"/>
+          </p:nvPr>
+        </p:nvSpPr>
         <p:spPr>
           <a:xfrm>
             <a:off x="539552" y="44624"/>
@@ -6510,7 +6609,7 @@
 </p:sld>
 </file>
 
-<file path=ppt/slides/slide11.xml><?xml version="1.0" encoding="utf-8"?>
+<file path=ppt/slides/slide12.xml><?xml version="1.0" encoding="utf-8"?>
 <p:sld xmlns:a="http://schemas.openxmlformats.org/drawingml/2006/main" xmlns:r="http://schemas.openxmlformats.org/officeDocument/2006/relationships" xmlns:p="http://schemas.openxmlformats.org/presentationml/2006/main">
   <p:cSld>
     <p:spTree>
@@ -6650,7 +6749,7 @@
 </p:sld>
 </file>
 
-<file path=ppt/slides/slide12.xml><?xml version="1.0" encoding="utf-8"?>
+<file path=ppt/slides/slide13.xml><?xml version="1.0" encoding="utf-8"?>
 <p:sld xmlns:a="http://schemas.openxmlformats.org/drawingml/2006/main" xmlns:r="http://schemas.openxmlformats.org/officeDocument/2006/relationships" xmlns:p="http://schemas.openxmlformats.org/presentationml/2006/main">
   <p:cSld>
     <p:spTree>
@@ -6759,7 +6858,7 @@
 </p:sld>
 </file>
 
-<file path=ppt/slides/slide13.xml><?xml version="1.0" encoding="utf-8"?>
+<file path=ppt/slides/slide14.xml><?xml version="1.0" encoding="utf-8"?>
 <p:sld xmlns:a="http://schemas.openxmlformats.org/drawingml/2006/main" xmlns:r="http://schemas.openxmlformats.org/officeDocument/2006/relationships" xmlns:p="http://schemas.openxmlformats.org/presentationml/2006/main">
   <p:cSld>
     <p:spTree>
@@ -7439,7 +7538,7 @@
 </p:sld>
 </file>
 
-<file path=ppt/slides/slide14.xml><?xml version="1.0" encoding="utf-8"?>
+<file path=ppt/slides/slide15.xml><?xml version="1.0" encoding="utf-8"?>
 <p:sld xmlns:a="http://schemas.openxmlformats.org/drawingml/2006/main" xmlns:r="http://schemas.openxmlformats.org/officeDocument/2006/relationships" xmlns:p="http://schemas.openxmlformats.org/presentationml/2006/main">
   <p:cSld>
     <p:spTree>
@@ -8465,7 +8564,7 @@
 </p:sld>
 </file>
 
-<file path=ppt/slides/slide15.xml><?xml version="1.0" encoding="utf-8"?>
+<file path=ppt/slides/slide16.xml><?xml version="1.0" encoding="utf-8"?>
 <p:sld xmlns:a="http://schemas.openxmlformats.org/drawingml/2006/main" xmlns:r="http://schemas.openxmlformats.org/officeDocument/2006/relationships" xmlns:p="http://schemas.openxmlformats.org/presentationml/2006/main">
   <p:cSld>
     <p:spTree>
@@ -8484,25 +8583,6 @@
       </p:grpSpPr>
       <p:sp>
         <p:nvSpPr>
-          <p:cNvPr id="2" name="제목 1"/>
-          <p:cNvSpPr>
-            <a:spLocks noGrp="1"/>
-          </p:cNvSpPr>
-          <p:nvPr>
-            <p:ph type="title"/>
-          </p:nvPr>
-        </p:nvSpPr>
-        <p:spPr/>
-        <p:txBody>
-          <a:bodyPr/>
-          <a:lstStyle/>
-          <a:p>
-            <a:endParaRPr lang="ko-KR" altLang="en-US" dirty="0"/>
-          </a:p>
-        </p:txBody>
-      </p:sp>
-      <p:sp>
-        <p:nvSpPr>
           <p:cNvPr id="3" name="내용 개체 틀 2"/>
           <p:cNvSpPr>
             <a:spLocks noGrp="1"/>
@@ -8576,7 +8656,7 @@
 </p:sld>
 </file>
 
-<file path=ppt/slides/slide16.xml><?xml version="1.0" encoding="utf-8"?>
+<file path=ppt/slides/slide17.xml><?xml version="1.0" encoding="utf-8"?>
 <p:sld xmlns:a="http://schemas.openxmlformats.org/drawingml/2006/main" xmlns:r="http://schemas.openxmlformats.org/officeDocument/2006/relationships" xmlns:p="http://schemas.openxmlformats.org/presentationml/2006/main">
   <p:cSld>
     <p:spTree>
@@ -9822,7 +9902,7 @@
 </p:sld>
 </file>
 
-<file path=ppt/slides/slide17.xml><?xml version="1.0" encoding="utf-8"?>
+<file path=ppt/slides/slide18.xml><?xml version="1.0" encoding="utf-8"?>
 <p:sld xmlns:a="http://schemas.openxmlformats.org/drawingml/2006/main" xmlns:r="http://schemas.openxmlformats.org/officeDocument/2006/relationships" xmlns:p="http://schemas.openxmlformats.org/presentationml/2006/main">
   <p:cSld>
     <p:spTree>
@@ -10754,7 +10834,7 @@
 </p:sld>
 </file>
 
-<file path=ppt/slides/slide18.xml><?xml version="1.0" encoding="utf-8"?>
+<file path=ppt/slides/slide19.xml><?xml version="1.0" encoding="utf-8"?>
 <p:sld xmlns:a="http://schemas.openxmlformats.org/drawingml/2006/main" xmlns:r="http://schemas.openxmlformats.org/officeDocument/2006/relationships" xmlns:p="http://schemas.openxmlformats.org/presentationml/2006/main">
   <p:cSld>
     <p:spTree>
@@ -11072,7 +11152,131 @@
 </p:sld>
 </file>
 
-<file path=ppt/slides/slide19.xml><?xml version="1.0" encoding="utf-8"?>
+<file path=ppt/slides/slide2.xml><?xml version="1.0" encoding="utf-8"?>
+<p:sld xmlns:a="http://schemas.openxmlformats.org/drawingml/2006/main" xmlns:r="http://schemas.openxmlformats.org/officeDocument/2006/relationships" xmlns:p="http://schemas.openxmlformats.org/presentationml/2006/main">
+  <p:cSld>
+    <p:spTree>
+      <p:nvGrpSpPr>
+        <p:cNvPr id="1" name=""/>
+        <p:cNvGrpSpPr/>
+        <p:nvPr/>
+      </p:nvGrpSpPr>
+      <p:grpSpPr>
+        <a:xfrm>
+          <a:off x="0" y="0"/>
+          <a:ext cx="0" cy="0"/>
+          <a:chOff x="0" y="0"/>
+          <a:chExt cx="0" cy="0"/>
+        </a:xfrm>
+      </p:grpSpPr>
+      <p:sp>
+        <p:nvSpPr>
+          <p:cNvPr id="2" name="제목 1"/>
+          <p:cNvSpPr>
+            <a:spLocks noGrp="1"/>
+          </p:cNvSpPr>
+          <p:nvPr>
+            <p:ph type="title"/>
+          </p:nvPr>
+        </p:nvSpPr>
+        <p:spPr/>
+        <p:txBody>
+          <a:bodyPr/>
+          <a:lstStyle/>
+          <a:p>
+            <a:r>
+              <a:rPr lang="en-US" altLang="ko-KR" dirty="0"/>
+              <a:t>Performance Tuning</a:t>
+            </a:r>
+            <a:endParaRPr lang="ko-KR" altLang="en-US" dirty="0"/>
+          </a:p>
+        </p:txBody>
+      </p:sp>
+      <p:sp>
+        <p:nvSpPr>
+          <p:cNvPr id="3" name="내용 개체 틀 2"/>
+          <p:cNvSpPr>
+            <a:spLocks noGrp="1"/>
+          </p:cNvSpPr>
+          <p:nvPr>
+            <p:ph idx="1"/>
+          </p:nvPr>
+        </p:nvSpPr>
+        <p:spPr/>
+        <p:txBody>
+          <a:bodyPr/>
+          <a:lstStyle/>
+          <a:p>
+            <a:r>
+              <a:rPr lang="en-US" altLang="ko-KR" sz="2400" dirty="0"/>
+              <a:t>To optimize the bandwidth utilization of a device,</a:t>
+            </a:r>
+          </a:p>
+          <a:p>
+            <a:pPr marL="0" indent="0">
+              <a:buNone/>
+            </a:pPr>
+            <a:r>
+              <a:rPr lang="en-US" altLang="ko-KR" sz="2400" dirty="0"/>
+              <a:t>	-Aligned and coalesced memory access, (memory bandwidth)</a:t>
+            </a:r>
+          </a:p>
+          <a:p>
+            <a:pPr marL="0" indent="0">
+              <a:buNone/>
+            </a:pPr>
+            <a:r>
+              <a:rPr lang="en-US" altLang="ko-KR" sz="2400" dirty="0"/>
+              <a:t>	-Sufficient concurrent memory operations are required. (memory latency)</a:t>
+            </a:r>
+          </a:p>
+          <a:p>
+            <a:pPr marL="0" indent="0">
+              <a:buNone/>
+            </a:pPr>
+            <a:endParaRPr lang="en-US" altLang="ko-KR" sz="2400" dirty="0"/>
+          </a:p>
+          <a:p>
+            <a:r>
+              <a:rPr lang="en-US" altLang="ko-KR" sz="2400" dirty="0"/>
+              <a:t>To increase the concurrent memory access,</a:t>
+            </a:r>
+          </a:p>
+          <a:p>
+            <a:pPr marL="0" indent="0">
+              <a:buNone/>
+            </a:pPr>
+            <a:r>
+              <a:rPr lang="en-US" altLang="ko-KR" sz="2400" dirty="0"/>
+              <a:t>	-Increasing the number of independent memory operations 	performed in each thread,</a:t>
+            </a:r>
+          </a:p>
+          <a:p>
+            <a:pPr marL="0" indent="0">
+              <a:buNone/>
+            </a:pPr>
+            <a:r>
+              <a:rPr lang="en-US" altLang="ko-KR" sz="2400" dirty="0"/>
+              <a:t>	-kernel launch should be configured to get efficient 	 	parallelism. </a:t>
+            </a:r>
+            <a:endParaRPr lang="ko-KR" altLang="en-US" sz="2400" dirty="0"/>
+          </a:p>
+        </p:txBody>
+      </p:sp>
+    </p:spTree>
+    <p:extLst>
+      <p:ext uri="{BB962C8B-B14F-4D97-AF65-F5344CB8AC3E}">
+        <p14:creationId xmlns:p14="http://schemas.microsoft.com/office/powerpoint/2010/main" val="3724998321"/>
+      </p:ext>
+    </p:extLst>
+  </p:cSld>
+  <p:clrMapOvr>
+    <a:masterClrMapping/>
+  </p:clrMapOvr>
+</p:sld>
+</file>
+
+<file path=ppt/slides/slide20.xml><?xml version="1.0" encoding="utf-8"?>
 <p:sld xmlns:a="http://schemas.openxmlformats.org/drawingml/2006/main" xmlns:r="http://schemas.openxmlformats.org/officeDocument/2006/relationships" xmlns:p="http://schemas.openxmlformats.org/presentationml/2006/main">
   <p:cSld>
     <p:spTree>
@@ -12323,131 +12527,7 @@
 </p:sld>
 </file>
 
-<file path=ppt/slides/slide2.xml><?xml version="1.0" encoding="utf-8"?>
-<p:sld xmlns:a="http://schemas.openxmlformats.org/drawingml/2006/main" xmlns:r="http://schemas.openxmlformats.org/officeDocument/2006/relationships" xmlns:p="http://schemas.openxmlformats.org/presentationml/2006/main">
-  <p:cSld>
-    <p:spTree>
-      <p:nvGrpSpPr>
-        <p:cNvPr id="1" name=""/>
-        <p:cNvGrpSpPr/>
-        <p:nvPr/>
-      </p:nvGrpSpPr>
-      <p:grpSpPr>
-        <a:xfrm>
-          <a:off x="0" y="0"/>
-          <a:ext cx="0" cy="0"/>
-          <a:chOff x="0" y="0"/>
-          <a:chExt cx="0" cy="0"/>
-        </a:xfrm>
-      </p:grpSpPr>
-      <p:sp>
-        <p:nvSpPr>
-          <p:cNvPr id="2" name="제목 1"/>
-          <p:cNvSpPr>
-            <a:spLocks noGrp="1"/>
-          </p:cNvSpPr>
-          <p:nvPr>
-            <p:ph type="title"/>
-          </p:nvPr>
-        </p:nvSpPr>
-        <p:spPr/>
-        <p:txBody>
-          <a:bodyPr/>
-          <a:lstStyle/>
-          <a:p>
-            <a:r>
-              <a:rPr lang="en-US" altLang="ko-KR" dirty="0"/>
-              <a:t>Performance Tuning</a:t>
-            </a:r>
-            <a:endParaRPr lang="ko-KR" altLang="en-US" dirty="0"/>
-          </a:p>
-        </p:txBody>
-      </p:sp>
-      <p:sp>
-        <p:nvSpPr>
-          <p:cNvPr id="3" name="내용 개체 틀 2"/>
-          <p:cNvSpPr>
-            <a:spLocks noGrp="1"/>
-          </p:cNvSpPr>
-          <p:nvPr>
-            <p:ph idx="1"/>
-          </p:nvPr>
-        </p:nvSpPr>
-        <p:spPr/>
-        <p:txBody>
-          <a:bodyPr/>
-          <a:lstStyle/>
-          <a:p>
-            <a:r>
-              <a:rPr lang="en-US" altLang="ko-KR" sz="2400" dirty="0"/>
-              <a:t>To optimize the bandwidth utilization of a device,</a:t>
-            </a:r>
-          </a:p>
-          <a:p>
-            <a:pPr marL="0" indent="0">
-              <a:buNone/>
-            </a:pPr>
-            <a:r>
-              <a:rPr lang="en-US" altLang="ko-KR" sz="2400" dirty="0"/>
-              <a:t>	-Aligned and coalesced memory access,</a:t>
-            </a:r>
-          </a:p>
-          <a:p>
-            <a:pPr marL="0" indent="0">
-              <a:buNone/>
-            </a:pPr>
-            <a:r>
-              <a:rPr lang="en-US" altLang="ko-KR" sz="2400" dirty="0"/>
-              <a:t>	-Sufficient concurrent memory operations are required.</a:t>
-            </a:r>
-          </a:p>
-          <a:p>
-            <a:pPr marL="0" indent="0">
-              <a:buNone/>
-            </a:pPr>
-            <a:endParaRPr lang="en-US" altLang="ko-KR" sz="2400" dirty="0"/>
-          </a:p>
-          <a:p>
-            <a:r>
-              <a:rPr lang="en-US" altLang="ko-KR" sz="2400" dirty="0"/>
-              <a:t>To increase the concurrent memory access,</a:t>
-            </a:r>
-          </a:p>
-          <a:p>
-            <a:pPr marL="0" indent="0">
-              <a:buNone/>
-            </a:pPr>
-            <a:r>
-              <a:rPr lang="en-US" altLang="ko-KR" sz="2400" dirty="0"/>
-              <a:t>	-Increasing the number of independent memory operations 	performed in each thread,</a:t>
-            </a:r>
-          </a:p>
-          <a:p>
-            <a:pPr marL="0" indent="0">
-              <a:buNone/>
-            </a:pPr>
-            <a:r>
-              <a:rPr lang="en-US" altLang="ko-KR" sz="2400" dirty="0"/>
-              <a:t>	-kernel launch should be configured to get efficient 	 	parallelism.</a:t>
-            </a:r>
-            <a:endParaRPr lang="ko-KR" altLang="en-US" sz="2400" dirty="0"/>
-          </a:p>
-        </p:txBody>
-      </p:sp>
-    </p:spTree>
-    <p:extLst>
-      <p:ext uri="{BB962C8B-B14F-4D97-AF65-F5344CB8AC3E}">
-        <p14:creationId xmlns:p14="http://schemas.microsoft.com/office/powerpoint/2010/main" val="3724998321"/>
-      </p:ext>
-    </p:extLst>
-  </p:cSld>
-  <p:clrMapOvr>
-    <a:masterClrMapping/>
-  </p:clrMapOvr>
-</p:sld>
-</file>
-
-<file path=ppt/slides/slide20.xml><?xml version="1.0" encoding="utf-8"?>
+<file path=ppt/slides/slide21.xml><?xml version="1.0" encoding="utf-8"?>
 <p:sld xmlns:a="http://schemas.openxmlformats.org/drawingml/2006/main" xmlns:r="http://schemas.openxmlformats.org/officeDocument/2006/relationships" xmlns:p="http://schemas.openxmlformats.org/presentationml/2006/main">
   <p:cSld>
     <p:spTree>
@@ -13371,7 +13451,7 @@
 </p:sld>
 </file>
 
-<file path=ppt/slides/slide21.xml><?xml version="1.0" encoding="utf-8"?>
+<file path=ppt/slides/slide22.xml><?xml version="1.0" encoding="utf-8"?>
 <p:sld xmlns:a="http://schemas.openxmlformats.org/drawingml/2006/main" xmlns:r="http://schemas.openxmlformats.org/officeDocument/2006/relationships" xmlns:p="http://schemas.openxmlformats.org/presentationml/2006/main">
   <p:cSld>
     <p:spTree>
@@ -13615,7 +13695,23 @@
             </a:pPr>
             <a:r>
               <a:rPr lang="en-US" altLang="ko-KR" sz="2800" dirty="0"/>
-              <a:t>	out[</a:t>
+              <a:t>	</a:t>
+            </a:r>
+            <a:r>
+              <a:rPr lang="en-US" altLang="ko-KR" sz="2800" dirty="0" err="1"/>
+              <a:t>int</a:t>
+            </a:r>
+            <a:r>
+              <a:rPr lang="en-US" altLang="ko-KR" sz="2800" dirty="0"/>
+              <a:t> </a:t>
+            </a:r>
+            <a:r>
+              <a:rPr lang="en-US" altLang="ko-KR" sz="2800" dirty="0" err="1"/>
+              <a:t>tid</a:t>
+            </a:r>
+            <a:r>
+              <a:rPr lang="en-US" altLang="ko-KR" sz="2800" dirty="0"/>
+              <a:t> = </a:t>
             </a:r>
             <a:r>
               <a:rPr lang="en-US" altLang="ko-KR" sz="2800" dirty="0" err="1"/>
@@ -13631,7 +13727,73 @@
             </a:r>
             <a:r>
               <a:rPr lang="en-US" altLang="ko-KR" sz="2800" dirty="0"/>
-              <a:t> + ix]= in[ix*</a:t>
+              <a:t> + ix;</a:t>
+            </a:r>
+          </a:p>
+          <a:p>
+            <a:pPr marL="0" indent="0">
+              <a:buNone/>
+            </a:pPr>
+            <a:r>
+              <a:rPr lang="en-US" altLang="ko-KR" sz="2800" dirty="0"/>
+              <a:t> 	</a:t>
+            </a:r>
+            <a:r>
+              <a:rPr lang="en-US" altLang="ko-KR" sz="2800" dirty="0" err="1"/>
+              <a:t>int</a:t>
+            </a:r>
+            <a:r>
+              <a:rPr lang="en-US" altLang="ko-KR" sz="2800" dirty="0"/>
+              <a:t> </a:t>
+            </a:r>
+            <a:r>
+              <a:rPr lang="en-US" altLang="ko-KR" sz="2800" dirty="0" err="1"/>
+              <a:t>newX</a:t>
+            </a:r>
+            <a:r>
+              <a:rPr lang="en-US" altLang="ko-KR" sz="2800" dirty="0"/>
+              <a:t> = </a:t>
+            </a:r>
+            <a:r>
+              <a:rPr lang="en-US" altLang="ko-KR" sz="2800" dirty="0" err="1"/>
+              <a:t>tid%ny</a:t>
+            </a:r>
+            <a:r>
+              <a:rPr lang="en-US" altLang="ko-KR" sz="2800" dirty="0"/>
+              <a:t>;</a:t>
+            </a:r>
+          </a:p>
+          <a:p>
+            <a:pPr marL="0" indent="0">
+              <a:buNone/>
+            </a:pPr>
+            <a:r>
+              <a:rPr lang="en-US" altLang="ko-KR" sz="2800" dirty="0"/>
+              <a:t>          </a:t>
+            </a:r>
+            <a:r>
+              <a:rPr lang="en-US" altLang="ko-KR" sz="2800" dirty="0" err="1"/>
+              <a:t>int</a:t>
+            </a:r>
+            <a:r>
+              <a:rPr lang="en-US" altLang="ko-KR" sz="2800" dirty="0"/>
+              <a:t> </a:t>
+            </a:r>
+            <a:r>
+              <a:rPr lang="en-US" altLang="ko-KR" sz="2800" dirty="0" err="1"/>
+              <a:t>newY</a:t>
+            </a:r>
+            <a:r>
+              <a:rPr lang="en-US" altLang="ko-KR" sz="2800" dirty="0"/>
+              <a:t> = </a:t>
+            </a:r>
+            <a:r>
+              <a:rPr lang="en-US" altLang="ko-KR" sz="2800" dirty="0" err="1"/>
+              <a:t>tid</a:t>
+            </a:r>
+            <a:r>
+              <a:rPr lang="en-US" altLang="ko-KR" sz="2800" dirty="0"/>
+              <a:t>/</a:t>
             </a:r>
             <a:r>
               <a:rPr lang="en-US" altLang="ko-KR" sz="2800" dirty="0" err="1"/>
@@ -13639,11 +13801,60 @@
             </a:r>
             <a:r>
               <a:rPr lang="en-US" altLang="ko-KR" sz="2800" dirty="0"/>
+              <a:t>;</a:t>
+            </a:r>
+          </a:p>
+          <a:p>
+            <a:pPr marL="0" indent="0">
+              <a:buNone/>
+            </a:pPr>
+            <a:r>
+              <a:rPr lang="en-US" altLang="ko-KR" sz="2800" dirty="0"/>
+              <a:t>	out[</a:t>
+            </a:r>
+            <a:r>
+              <a:rPr lang="en-US" altLang="ko-KR" sz="2800" dirty="0" err="1"/>
+              <a:t>newY</a:t>
+            </a:r>
+            <a:r>
+              <a:rPr lang="en-US" altLang="ko-KR" sz="2800" dirty="0"/>
+              <a:t>*</a:t>
+            </a:r>
+            <a:r>
+              <a:rPr lang="en-US" altLang="ko-KR" sz="2800" dirty="0" err="1"/>
+              <a:t>ny</a:t>
+            </a:r>
+            <a:r>
+              <a:rPr lang="en-US" altLang="ko-KR" sz="2800" dirty="0"/>
               <a:t> + </a:t>
             </a:r>
             <a:r>
               <a:rPr lang="en-US" altLang="ko-KR" sz="2800" dirty="0" err="1"/>
-              <a:t>iy</a:t>
+              <a:t>newX</a:t>
+            </a:r>
+            <a:r>
+              <a:rPr lang="en-US" altLang="ko-KR" sz="2800" dirty="0"/>
+              <a:t>]= in[</a:t>
+            </a:r>
+            <a:r>
+              <a:rPr lang="en-US" altLang="ko-KR" sz="2800" dirty="0" err="1"/>
+              <a:t>newX</a:t>
+            </a:r>
+            <a:r>
+              <a:rPr lang="en-US" altLang="ko-KR" sz="2800" dirty="0"/>
+              <a:t>*</a:t>
+            </a:r>
+            <a:r>
+              <a:rPr lang="en-US" altLang="ko-KR" sz="2800" dirty="0" err="1"/>
+              <a:t>nx</a:t>
+            </a:r>
+            <a:r>
+              <a:rPr lang="en-US" altLang="ko-KR" sz="2800" dirty="0"/>
+              <a:t> + </a:t>
+            </a:r>
+            <a:r>
+              <a:rPr lang="en-US" altLang="ko-KR" sz="2800" dirty="0" err="1"/>
+              <a:t>newY</a:t>
             </a:r>
             <a:r>
               <a:rPr lang="en-US" altLang="ko-KR" sz="2800" dirty="0"/>
@@ -13684,7 +13895,155 @@
 </p:sld>
 </file>
 
-<file path=ppt/slides/slide22.xml><?xml version="1.0" encoding="utf-8"?>
+<file path=ppt/slides/slide23.xml><?xml version="1.0" encoding="utf-8"?>
+<p:sld xmlns:a="http://schemas.openxmlformats.org/drawingml/2006/main" xmlns:r="http://schemas.openxmlformats.org/officeDocument/2006/relationships" xmlns:p="http://schemas.openxmlformats.org/presentationml/2006/main">
+  <p:cSld>
+    <p:spTree>
+      <p:nvGrpSpPr>
+        <p:cNvPr id="1" name=""/>
+        <p:cNvGrpSpPr/>
+        <p:nvPr/>
+      </p:nvGrpSpPr>
+      <p:grpSpPr>
+        <a:xfrm>
+          <a:off x="0" y="0"/>
+          <a:ext cx="0" cy="0"/>
+          <a:chOff x="0" y="0"/>
+          <a:chExt cx="0" cy="0"/>
+        </a:xfrm>
+      </p:grpSpPr>
+      <p:sp>
+        <p:nvSpPr>
+          <p:cNvPr id="2" name="제목 1"/>
+          <p:cNvSpPr>
+            <a:spLocks noGrp="1"/>
+          </p:cNvSpPr>
+          <p:nvPr>
+            <p:ph type="title"/>
+          </p:nvPr>
+        </p:nvSpPr>
+        <p:spPr>
+          <a:xfrm>
+            <a:off x="395536" y="0"/>
+            <a:ext cx="8229600" cy="960438"/>
+          </a:xfrm>
+        </p:spPr>
+        <p:txBody>
+          <a:bodyPr/>
+          <a:lstStyle/>
+          <a:p>
+            <a:r>
+              <a:rPr lang="en-US" altLang="ko-KR" sz="3200" dirty="0"/>
+              <a:t>Which one is better?</a:t>
+            </a:r>
+            <a:endParaRPr lang="ko-KR" altLang="en-US" sz="3200" dirty="0"/>
+          </a:p>
+        </p:txBody>
+      </p:sp>
+      <p:sp>
+        <p:nvSpPr>
+          <p:cNvPr id="3" name="내용 개체 틀 2"/>
+          <p:cNvSpPr>
+            <a:spLocks noGrp="1"/>
+          </p:cNvSpPr>
+          <p:nvPr>
+            <p:ph idx="1"/>
+          </p:nvPr>
+        </p:nvSpPr>
+        <p:spPr/>
+        <p:txBody>
+          <a:bodyPr/>
+          <a:lstStyle/>
+          <a:p>
+            <a:pPr marL="514350" indent="-514350">
+              <a:buAutoNum type="arabicPeriod"/>
+            </a:pPr>
+            <a:r>
+              <a:rPr lang="en-US" altLang="ko-KR" sz="2000" dirty="0"/>
+              <a:t>Reads by rows and stores by columns </a:t>
+            </a:r>
+          </a:p>
+          <a:p>
+            <a:pPr marL="514350" indent="-514350">
+              <a:buAutoNum type="arabicPeriod"/>
+            </a:pPr>
+            <a:r>
+              <a:rPr lang="en-US" altLang="ko-KR" sz="2000" dirty="0"/>
+              <a:t>Reads by columns and stores by rows.</a:t>
+            </a:r>
+          </a:p>
+          <a:p>
+            <a:pPr marL="0" indent="0">
+              <a:buNone/>
+            </a:pPr>
+            <a:r>
+              <a:rPr lang="en-US" altLang="ko-KR" sz="2000" dirty="0"/>
+              <a:t>1) If L1 cache is disabled for loads </a:t>
+            </a:r>
+          </a:p>
+          <a:p>
+            <a:pPr marL="0" indent="0">
+              <a:buNone/>
+            </a:pPr>
+            <a:r>
+              <a:rPr lang="en-US" altLang="ko-KR" sz="2000" dirty="0"/>
+              <a:t>- these two implementations are theoretically identical!</a:t>
+            </a:r>
+          </a:p>
+          <a:p>
+            <a:pPr marL="0" indent="0">
+              <a:buNone/>
+            </a:pPr>
+            <a:r>
+              <a:rPr lang="en-US" altLang="ko-KR" sz="2000" dirty="0"/>
+              <a:t>2) If L1 cache is enable (L1 can be used in load but store)</a:t>
+            </a:r>
+          </a:p>
+          <a:p>
+            <a:pPr marL="0" indent="0">
+              <a:buNone/>
+            </a:pPr>
+            <a:r>
+              <a:rPr lang="en-US" altLang="ko-KR" sz="2000" dirty="0"/>
+              <a:t>- the second implementation should demonstrate better performance. While the reads performed by column will be uncoalesced (hence bandwidth will be wasted on bytes that were not requested), bringing those extra bytes into the L1 cache means that the next read may be serviced out of cache rather than global memory. Because writes are not cached in L1, the example that writes by column does not benefit from any caching </a:t>
+            </a:r>
+            <a:br>
+              <a:rPr lang="en-US" altLang="ko-KR" sz="2000" dirty="0"/>
+            </a:br>
+            <a:endParaRPr lang="en-US" altLang="ko-KR" sz="2000" dirty="0"/>
+          </a:p>
+          <a:p>
+            <a:pPr marL="0" indent="0">
+              <a:buNone/>
+            </a:pPr>
+            <a:endParaRPr lang="en-US" altLang="ko-KR" sz="2800" dirty="0"/>
+          </a:p>
+          <a:p>
+            <a:pPr marL="0" indent="0">
+              <a:buNone/>
+            </a:pPr>
+            <a:r>
+              <a:rPr lang="en-US" altLang="ko-KR" sz="2800" dirty="0"/>
+              <a:t>  </a:t>
+            </a:r>
+            <a:endParaRPr lang="ko-KR" altLang="en-US" sz="2800" dirty="0"/>
+          </a:p>
+        </p:txBody>
+      </p:sp>
+    </p:spTree>
+    <p:extLst>
+      <p:ext uri="{BB962C8B-B14F-4D97-AF65-F5344CB8AC3E}">
+        <p14:creationId xmlns:p14="http://schemas.microsoft.com/office/powerpoint/2010/main" val="344987853"/>
+      </p:ext>
+    </p:extLst>
+  </p:cSld>
+  <p:clrMapOvr>
+    <a:masterClrMapping/>
+  </p:clrMapOvr>
+</p:sld>
+</file>
+
+<file path=ppt/slides/slide24.xml><?xml version="1.0" encoding="utf-8"?>
 <p:sld xmlns:a="http://schemas.openxmlformats.org/drawingml/2006/main" xmlns:r="http://schemas.openxmlformats.org/officeDocument/2006/relationships" xmlns:p="http://schemas.openxmlformats.org/presentationml/2006/main">
   <p:cSld>
     <p:spTree>
@@ -13807,7 +14166,7 @@
 </p:sld>
 </file>
 
-<file path=ppt/slides/slide23.xml><?xml version="1.0" encoding="utf-8"?>
+<file path=ppt/slides/slide25.xml><?xml version="1.0" encoding="utf-8"?>
 <p:sld xmlns:a="http://schemas.openxmlformats.org/drawingml/2006/main" xmlns:r="http://schemas.openxmlformats.org/officeDocument/2006/relationships" xmlns:p="http://schemas.openxmlformats.org/presentationml/2006/main">
   <p:cSld>
     <p:spTree>
@@ -13912,7 +14271,7 @@
 </p:sld>
 </file>
 
-<file path=ppt/slides/slide24.xml><?xml version="1.0" encoding="utf-8"?>
+<file path=ppt/slides/slide26.xml><?xml version="1.0" encoding="utf-8"?>
 <p:sld xmlns:a="http://schemas.openxmlformats.org/drawingml/2006/main" xmlns:r="http://schemas.openxmlformats.org/officeDocument/2006/relationships" xmlns:p="http://schemas.openxmlformats.org/presentationml/2006/main">
   <p:cSld>
     <p:spTree>
@@ -14299,7 +14658,7 @@
 </p:sld>
 </file>
 
-<file path=ppt/slides/slide25.xml><?xml version="1.0" encoding="utf-8"?>
+<file path=ppt/slides/slide27.xml><?xml version="1.0" encoding="utf-8"?>
 <p:sld xmlns:a="http://schemas.openxmlformats.org/drawingml/2006/main" xmlns:r="http://schemas.openxmlformats.org/officeDocument/2006/relationships" xmlns:p="http://schemas.openxmlformats.org/presentationml/2006/main">
   <p:cSld>
     <p:spTree>
@@ -14377,7 +14736,7 @@
 </p:sld>
 </file>
 
-<file path=ppt/slides/slide26.xml><?xml version="1.0" encoding="utf-8"?>
+<file path=ppt/slides/slide28.xml><?xml version="1.0" encoding="utf-8"?>
 <p:sld xmlns:a="http://schemas.openxmlformats.org/drawingml/2006/main" xmlns:r="http://schemas.openxmlformats.org/officeDocument/2006/relationships" xmlns:p="http://schemas.openxmlformats.org/presentationml/2006/main">
   <p:cSld>
     <p:spTree>
@@ -14415,10 +14774,18 @@
           <a:lstStyle/>
           <a:p>
             <a:r>
-              <a:rPr lang="en-US" altLang="ko-KR" dirty="0"/>
+              <a:rPr lang="en-US" altLang="ko-KR" dirty="0">
+                <a:solidFill>
+                  <a:srgbClr val="FF0000"/>
+                </a:solidFill>
+              </a:rPr>
               <a:t>Row-based unrolling</a:t>
             </a:r>
-            <a:endParaRPr lang="ko-KR" altLang="en-US" dirty="0"/>
+            <a:endParaRPr lang="ko-KR" altLang="en-US" dirty="0">
+              <a:solidFill>
+                <a:srgbClr val="FF0000"/>
+              </a:solidFill>
+            </a:endParaRPr>
           </a:p>
         </p:txBody>
       </p:sp>
@@ -14578,7 +14945,7 @@
             </a:pPr>
             <a:r>
               <a:rPr lang="en-US" altLang="ko-KR" sz="2800" dirty="0"/>
-              <a:t>  unsigned </a:t>
+              <a:t>unsigned </a:t>
             </a:r>
             <a:r>
               <a:rPr lang="en-US" altLang="ko-KR" sz="2800" dirty="0" err="1"/>
@@ -14829,7 +15196,7 @@
 </p:sld>
 </file>
 
-<file path=ppt/slides/slide27.xml><?xml version="1.0" encoding="utf-8"?>
+<file path=ppt/slides/slide29.xml><?xml version="1.0" encoding="utf-8"?>
 <p:sld xmlns:a="http://schemas.openxmlformats.org/drawingml/2006/main" xmlns:r="http://schemas.openxmlformats.org/officeDocument/2006/relationships" xmlns:p="http://schemas.openxmlformats.org/presentationml/2006/main">
   <p:cSld>
     <p:spTree>
@@ -14887,7 +15254,7 @@
         <p:spPr>
           <a:xfrm>
             <a:off x="395536" y="692696"/>
-            <a:ext cx="8229600" cy="4525963"/>
+            <a:ext cx="8229600" cy="5976664"/>
           </a:xfrm>
         </p:spPr>
         <p:txBody>
@@ -15137,120 +15504,144 @@
             </a:pPr>
             <a:r>
               <a:rPr lang="en-US" altLang="ko-KR" sz="2800" dirty="0"/>
-              <a:t>	out[</a:t>
-            </a:r>
-            <a:r>
-              <a:rPr lang="en-US" altLang="ko-KR" sz="2800" dirty="0" err="1"/>
+              <a:t>	</a:t>
+            </a:r>
+            <a:r>
+              <a:rPr lang="en-US" altLang="ko-KR" dirty="0"/>
+              <a:t>out[</a:t>
+            </a:r>
+            <a:r>
+              <a:rPr lang="en-US" altLang="ko-KR" dirty="0" err="1"/>
               <a:t>ti</a:t>
             </a:r>
             <a:r>
+              <a:rPr lang="en-US" altLang="ko-KR" dirty="0"/>
+              <a:t>] = in[to];</a:t>
+            </a:r>
+            <a:br>
+              <a:rPr lang="en-US" altLang="ko-KR" dirty="0"/>
+            </a:br>
+            <a:r>
+              <a:rPr lang="en-US" altLang="ko-KR" dirty="0"/>
+              <a:t>out[</a:t>
+            </a:r>
+            <a:r>
+              <a:rPr lang="en-US" altLang="ko-KR" dirty="0" err="1"/>
+              <a:t>ti</a:t>
+            </a:r>
+            <a:r>
+              <a:rPr lang="en-US" altLang="ko-KR" dirty="0"/>
+              <a:t> + </a:t>
+            </a:r>
+            <a:r>
+              <a:rPr lang="en-US" altLang="ko-KR" dirty="0" err="1"/>
+              <a:t>blockDim.x</a:t>
+            </a:r>
+            <a:r>
+              <a:rPr lang="en-US" altLang="ko-KR" dirty="0"/>
+              <a:t>] = in[to+ </a:t>
+            </a:r>
+            <a:r>
+              <a:rPr lang="en-US" altLang="ko-KR" dirty="0" err="1"/>
+              <a:t>blockDim.x</a:t>
+            </a:r>
+            <a:r>
+              <a:rPr lang="en-US" altLang="ko-KR" dirty="0"/>
+              <a:t>*</a:t>
+            </a:r>
+            <a:r>
+              <a:rPr lang="en-US" altLang="ko-KR" dirty="0" err="1"/>
+              <a:t>ny</a:t>
+            </a:r>
+            <a:r>
+              <a:rPr lang="en-US" altLang="ko-KR" dirty="0"/>
+              <a:t>];</a:t>
+            </a:r>
+            <a:br>
+              <a:rPr lang="en-US" altLang="ko-KR" dirty="0"/>
+            </a:br>
+            <a:r>
+              <a:rPr lang="en-US" altLang="ko-KR" dirty="0"/>
+              <a:t>out[</a:t>
+            </a:r>
+            <a:r>
+              <a:rPr lang="en-US" altLang="ko-KR" dirty="0" err="1"/>
+              <a:t>ti</a:t>
+            </a:r>
+            <a:r>
+              <a:rPr lang="en-US" altLang="ko-KR" dirty="0"/>
+              <a:t> + 2*</a:t>
+            </a:r>
+            <a:r>
+              <a:rPr lang="en-US" altLang="ko-KR" dirty="0" err="1"/>
+              <a:t>blockDim.x</a:t>
+            </a:r>
+            <a:r>
+              <a:rPr lang="en-US" altLang="ko-KR" dirty="0"/>
+              <a:t>] = in[to+2*</a:t>
+            </a:r>
+            <a:r>
+              <a:rPr lang="en-US" altLang="ko-KR" dirty="0" err="1"/>
+              <a:t>blockDim.x</a:t>
+            </a:r>
+            <a:r>
+              <a:rPr lang="en-US" altLang="ko-KR" dirty="0"/>
+              <a:t>*</a:t>
+            </a:r>
+            <a:r>
+              <a:rPr lang="en-US" altLang="ko-KR" dirty="0" err="1"/>
+              <a:t>ny</a:t>
+            </a:r>
+            <a:r>
+              <a:rPr lang="en-US" altLang="ko-KR" dirty="0"/>
+              <a:t>];</a:t>
+            </a:r>
+            <a:br>
+              <a:rPr lang="en-US" altLang="ko-KR" dirty="0"/>
+            </a:br>
+            <a:r>
+              <a:rPr lang="en-US" altLang="ko-KR" dirty="0"/>
+              <a:t>out[</a:t>
+            </a:r>
+            <a:r>
+              <a:rPr lang="en-US" altLang="ko-KR" dirty="0" err="1"/>
+              <a:t>ti</a:t>
+            </a:r>
+            <a:r>
+              <a:rPr lang="en-US" altLang="ko-KR" dirty="0"/>
+              <a:t> + 3*</a:t>
+            </a:r>
+            <a:r>
+              <a:rPr lang="en-US" altLang="ko-KR" dirty="0" err="1"/>
+              <a:t>blockDim.x</a:t>
+            </a:r>
+            <a:r>
+              <a:rPr lang="en-US" altLang="ko-KR" dirty="0"/>
+              <a:t>] = in[to+3*</a:t>
+            </a:r>
+            <a:r>
+              <a:rPr lang="en-US" altLang="ko-KR" dirty="0" err="1"/>
+              <a:t>blockDim.x</a:t>
+            </a:r>
+            <a:r>
+              <a:rPr lang="en-US" altLang="ko-KR" dirty="0"/>
+              <a:t>*</a:t>
+            </a:r>
+            <a:r>
+              <a:rPr lang="en-US" altLang="ko-KR" dirty="0" err="1"/>
+              <a:t>ny</a:t>
+            </a:r>
+            <a:r>
+              <a:rPr lang="en-US" altLang="ko-KR" dirty="0"/>
+              <a:t>];</a:t>
+            </a:r>
+            <a:r>
               <a:rPr lang="en-US" altLang="ko-KR" sz="2800" dirty="0"/>
-              <a:t>]= in[to];</a:t>
-            </a:r>
-          </a:p>
-          <a:p>
-            <a:pPr marL="0" indent="0">
-              <a:buNone/>
-            </a:pPr>
-            <a:r>
+              <a:t> </a:t>
+            </a:r>
+            <a:br>
               <a:rPr lang="en-US" altLang="ko-KR" sz="2800" dirty="0"/>
-              <a:t>	out[</a:t>
-            </a:r>
-            <a:r>
-              <a:rPr lang="en-US" altLang="ko-KR" sz="2800" dirty="0" err="1"/>
-              <a:t>ti+ny</a:t>
-            </a:r>
-            <a:r>
-              <a:rPr lang="en-US" altLang="ko-KR" sz="2800" dirty="0"/>
-              <a:t>*</a:t>
-            </a:r>
-            <a:r>
-              <a:rPr lang="en-US" altLang="ko-KR" sz="2800" dirty="0" err="1"/>
-              <a:t>blockDim.x</a:t>
-            </a:r>
-            <a:r>
-              <a:rPr lang="en-US" altLang="ko-KR" sz="2800" dirty="0"/>
-              <a:t>]=in[</a:t>
-            </a:r>
-            <a:r>
-              <a:rPr lang="en-US" altLang="ko-KR" sz="2800" dirty="0" err="1"/>
-              <a:t>to+blockDim.x</a:t>
-            </a:r>
-            <a:r>
-              <a:rPr lang="en-US" altLang="ko-KR" sz="2800" dirty="0"/>
-              <a:t>];</a:t>
-            </a:r>
-          </a:p>
-          <a:p>
-            <a:pPr marL="0" indent="0">
-              <a:buNone/>
-            </a:pPr>
-            <a:r>
-              <a:rPr lang="en-US" altLang="ko-KR" sz="2800" dirty="0"/>
-              <a:t>	out[</a:t>
-            </a:r>
-            <a:r>
-              <a:rPr lang="en-US" altLang="ko-KR" sz="2800" dirty="0" err="1"/>
-              <a:t>ti+ny</a:t>
-            </a:r>
-            <a:r>
-              <a:rPr lang="en-US" altLang="ko-KR" sz="2800" dirty="0"/>
-              <a:t>*2*</a:t>
-            </a:r>
-            <a:r>
-              <a:rPr lang="en-US" altLang="ko-KR" sz="2800" dirty="0" err="1"/>
-              <a:t>blockDim.x</a:t>
-            </a:r>
-            <a:r>
-              <a:rPr lang="en-US" altLang="ko-KR" sz="2800" dirty="0"/>
-              <a:t>]=in[to+2*</a:t>
-            </a:r>
-            <a:r>
-              <a:rPr lang="en-US" altLang="ko-KR" sz="2800" dirty="0" err="1"/>
-              <a:t>blockDim.x</a:t>
-            </a:r>
-            <a:r>
-              <a:rPr lang="en-US" altLang="ko-KR" sz="2800" dirty="0"/>
-              <a:t>];</a:t>
-            </a:r>
-          </a:p>
-          <a:p>
-            <a:pPr marL="0" indent="0">
-              <a:buNone/>
-            </a:pPr>
-            <a:r>
-              <a:rPr lang="en-US" altLang="ko-KR" sz="2800" dirty="0"/>
-              <a:t>	out[</a:t>
-            </a:r>
-            <a:r>
-              <a:rPr lang="en-US" altLang="ko-KR" sz="2800" dirty="0" err="1"/>
-              <a:t>ti+ny</a:t>
-            </a:r>
-            <a:r>
-              <a:rPr lang="en-US" altLang="ko-KR" sz="2800" dirty="0"/>
-              <a:t>*3*</a:t>
-            </a:r>
-            <a:r>
-              <a:rPr lang="en-US" altLang="ko-KR" sz="2800" dirty="0" err="1"/>
-              <a:t>blockDim.x</a:t>
-            </a:r>
-            <a:r>
-              <a:rPr lang="en-US" altLang="ko-KR" sz="2800" dirty="0"/>
-              <a:t>]=in[to+3*</a:t>
-            </a:r>
-            <a:r>
-              <a:rPr lang="en-US" altLang="ko-KR" sz="2800" dirty="0" err="1"/>
-              <a:t>blockDim.x</a:t>
-            </a:r>
-            <a:r>
-              <a:rPr lang="en-US" altLang="ko-KR" sz="2800" dirty="0"/>
-              <a:t>];</a:t>
-            </a:r>
-          </a:p>
-          <a:p>
-            <a:pPr marL="0" indent="0">
-              <a:buNone/>
-            </a:pPr>
+            </a:br>
             <a:r>
               <a:rPr lang="en-US" altLang="ko-KR" sz="2800" dirty="0"/>
               <a:t>  } }</a:t>
@@ -15271,7 +15662,113 @@
 </p:sld>
 </file>
 
-<file path=ppt/slides/slide28.xml><?xml version="1.0" encoding="utf-8"?>
+<file path=ppt/slides/slide3.xml><?xml version="1.0" encoding="utf-8"?>
+<p:sld xmlns:a="http://schemas.openxmlformats.org/drawingml/2006/main" xmlns:r="http://schemas.openxmlformats.org/officeDocument/2006/relationships" xmlns:p="http://schemas.openxmlformats.org/presentationml/2006/main">
+  <p:cSld>
+    <p:spTree>
+      <p:nvGrpSpPr>
+        <p:cNvPr id="1" name=""/>
+        <p:cNvGrpSpPr/>
+        <p:nvPr/>
+      </p:nvGrpSpPr>
+      <p:grpSpPr>
+        <a:xfrm>
+          <a:off x="0" y="0"/>
+          <a:ext cx="0" cy="0"/>
+          <a:chOff x="0" y="0"/>
+          <a:chExt cx="0" cy="0"/>
+        </a:xfrm>
+      </p:grpSpPr>
+      <p:sp>
+        <p:nvSpPr>
+          <p:cNvPr id="2" name="제목 1"/>
+          <p:cNvSpPr>
+            <a:spLocks noGrp="1"/>
+          </p:cNvSpPr>
+          <p:nvPr>
+            <p:ph type="title"/>
+          </p:nvPr>
+        </p:nvSpPr>
+        <p:spPr/>
+        <p:txBody>
+          <a:bodyPr/>
+          <a:lstStyle/>
+          <a:p>
+            <a:r>
+              <a:rPr lang="en-US" altLang="ko-KR" dirty="0"/>
+              <a:t>Performance Tuning</a:t>
+            </a:r>
+            <a:endParaRPr lang="ko-KR" altLang="en-US" dirty="0"/>
+          </a:p>
+        </p:txBody>
+      </p:sp>
+      <p:sp>
+        <p:nvSpPr>
+          <p:cNvPr id="3" name="내용 개체 틀 2"/>
+          <p:cNvSpPr>
+            <a:spLocks noGrp="1"/>
+          </p:cNvSpPr>
+          <p:nvPr>
+            <p:ph idx="1"/>
+          </p:nvPr>
+        </p:nvSpPr>
+        <p:spPr/>
+        <p:txBody>
+          <a:bodyPr/>
+          <a:lstStyle/>
+          <a:p>
+            <a:pPr marL="0" indent="0">
+              <a:buNone/>
+            </a:pPr>
+            <a:r>
+              <a:rPr lang="en-US" altLang="ko-KR" sz="2400" dirty="0"/>
+              <a:t>Small threads per block exposes more parallelism to the GPU.</a:t>
+            </a:r>
+          </a:p>
+          <a:p>
+            <a:pPr marL="0" indent="0">
+              <a:buNone/>
+            </a:pPr>
+            <a:r>
+              <a:rPr lang="en-US" altLang="ko-KR" sz="2400" dirty="0"/>
+              <a:t>But when you have not enough thread per block, you can’t use the SM efficiently.</a:t>
+            </a:r>
+          </a:p>
+          <a:p>
+            <a:pPr marL="0" indent="0">
+              <a:buNone/>
+            </a:pPr>
+            <a:r>
+              <a:rPr lang="en-US" altLang="ko-KR" sz="2400" dirty="0"/>
+              <a:t>For example. Fermi GPU, the maximum number of concurrent blocks per SM is 8, and the maximum number of concurrent warps per SM is 48. </a:t>
+            </a:r>
+          </a:p>
+          <a:p>
+            <a:pPr marL="0" indent="0">
+              <a:buNone/>
+            </a:pPr>
+            <a:r>
+              <a:rPr lang="en-US" altLang="ko-KR" sz="2400" dirty="0"/>
+              <a:t>So, when you use 128 threads per block, there are 4 warps per block. So the maximum number of concurrent warps in the SM is 32 ! You can’t use the SM efficiently.</a:t>
+            </a:r>
+            <a:endParaRPr lang="ko-KR" altLang="en-US" sz="2400" dirty="0"/>
+          </a:p>
+        </p:txBody>
+      </p:sp>
+    </p:spTree>
+    <p:extLst>
+      <p:ext uri="{BB962C8B-B14F-4D97-AF65-F5344CB8AC3E}">
+        <p14:creationId xmlns:p14="http://schemas.microsoft.com/office/powerpoint/2010/main" val="1711035916"/>
+      </p:ext>
+    </p:extLst>
+  </p:cSld>
+  <p:clrMapOvr>
+    <a:masterClrMapping/>
+  </p:clrMapOvr>
+</p:sld>
+</file>
+
+<file path=ppt/slides/slide30.xml><?xml version="1.0" encoding="utf-8"?>
 <p:sld xmlns:a="http://schemas.openxmlformats.org/drawingml/2006/main" xmlns:r="http://schemas.openxmlformats.org/officeDocument/2006/relationships" xmlns:p="http://schemas.openxmlformats.org/presentationml/2006/main">
   <p:cSld>
     <p:spTree>
@@ -16064,7 +16561,7 @@
 </p:sld>
 </file>
 
-<file path=ppt/slides/slide29.xml><?xml version="1.0" encoding="utf-8"?>
+<file path=ppt/slides/slide31.xml><?xml version="1.0" encoding="utf-8"?>
 <p:sld xmlns:a="http://schemas.openxmlformats.org/drawingml/2006/main" xmlns:r="http://schemas.openxmlformats.org/officeDocument/2006/relationships" xmlns:p="http://schemas.openxmlformats.org/presentationml/2006/main">
   <p:cSld>
     <p:spTree>
@@ -17112,7 +17609,7 @@
 </p:sld>
 </file>
 
-<file path=ppt/slides/slide3.xml><?xml version="1.0" encoding="utf-8"?>
+<file path=ppt/slides/slide32.xml><?xml version="1.0" encoding="utf-8"?>
 <p:sld xmlns:a="http://schemas.openxmlformats.org/drawingml/2006/main" xmlns:r="http://schemas.openxmlformats.org/officeDocument/2006/relationships" xmlns:p="http://schemas.openxmlformats.org/presentationml/2006/main">
   <p:cSld>
     <p:spTree>
@@ -17146,198 +17643,8 @@
           <a:p>
             <a:r>
               <a:rPr lang="en-US" altLang="ko-KR" dirty="0"/>
-              <a:t>Parallelism</a:t>
-            </a:r>
-            <a:endParaRPr lang="ko-KR" altLang="en-US" dirty="0"/>
-          </a:p>
-        </p:txBody>
-      </p:sp>
-      <p:sp>
-        <p:nvSpPr>
-          <p:cNvPr id="3" name="내용 개체 틀 2"/>
-          <p:cNvSpPr>
-            <a:spLocks noGrp="1"/>
-          </p:cNvSpPr>
-          <p:nvPr>
-            <p:ph idx="1"/>
-          </p:nvPr>
-        </p:nvSpPr>
-        <p:spPr/>
-        <p:txBody>
-          <a:bodyPr/>
-          <a:lstStyle/>
-          <a:p>
-            <a:r>
-              <a:rPr lang="en-US" altLang="ko-KR" sz="2400" dirty="0"/>
-              <a:t>Task Parallelism:</a:t>
-            </a:r>
-          </a:p>
-          <a:p>
-            <a:pPr marL="0" indent="0">
-              <a:buNone/>
-            </a:pPr>
-            <a:r>
-              <a:rPr lang="en-US" altLang="ko-KR" sz="2400" dirty="0"/>
-              <a:t>	It focuses on distributing functions across multiple cores.</a:t>
-            </a:r>
-          </a:p>
-          <a:p>
-            <a:r>
-              <a:rPr lang="en-US" altLang="ko-KR" sz="2400" dirty="0"/>
-              <a:t>Data Parallelism:</a:t>
-            </a:r>
-          </a:p>
-          <a:p>
-            <a:pPr marL="457200" lvl="1" indent="0">
-              <a:buNone/>
-            </a:pPr>
-            <a:r>
-              <a:rPr lang="en-US" altLang="ko-KR" sz="2400" dirty="0"/>
-              <a:t>	It focuses on distributing the data across multiple cores.</a:t>
-            </a:r>
-          </a:p>
-          <a:p>
-            <a:pPr marL="457200" lvl="1" indent="0">
-              <a:buNone/>
-            </a:pPr>
-            <a:r>
-              <a:rPr lang="en-US" altLang="ko-KR" sz="2400" dirty="0"/>
-              <a:t>	Data Partitions:</a:t>
-            </a:r>
-          </a:p>
-          <a:p>
-            <a:pPr marL="457200" lvl="1" indent="0">
-              <a:buNone/>
-            </a:pPr>
-            <a:r>
-              <a:rPr lang="en-US" altLang="ko-KR" sz="2400" dirty="0"/>
-              <a:t>		1.Block Partition: </a:t>
-            </a:r>
-          </a:p>
-          <a:p>
-            <a:pPr marL="457200" lvl="1" indent="0">
-              <a:buNone/>
-            </a:pPr>
-            <a:r>
-              <a:rPr lang="en-US" altLang="ko-KR" sz="2400" dirty="0"/>
-              <a:t>			Each thread takes one portion of data.</a:t>
-            </a:r>
-          </a:p>
-          <a:p>
-            <a:pPr marL="457200" lvl="1" indent="0">
-              <a:buNone/>
-            </a:pPr>
-            <a:r>
-              <a:rPr lang="en-US" altLang="ko-KR" sz="2400" dirty="0"/>
-              <a:t>		2.Cyclic Partition:</a:t>
-            </a:r>
-          </a:p>
-          <a:p>
-            <a:pPr marL="457200" lvl="1" indent="0">
-              <a:buNone/>
-            </a:pPr>
-            <a:r>
-              <a:rPr lang="en-US" altLang="ko-KR" sz="2400" dirty="0"/>
-              <a:t>			Each thread takes more than one portion </a:t>
-            </a:r>
-          </a:p>
-          <a:p>
-            <a:pPr marL="457200" lvl="1" indent="0">
-              <a:buNone/>
-            </a:pPr>
-            <a:r>
-              <a:rPr lang="en-US" altLang="ko-KR" sz="2400" dirty="0"/>
-              <a:t>				of the data.</a:t>
-            </a:r>
-          </a:p>
-          <a:p>
-            <a:pPr marL="457200" lvl="1" indent="0">
-              <a:buNone/>
-            </a:pPr>
-            <a:r>
-              <a:rPr lang="en-US" altLang="ko-KR" sz="2400" dirty="0"/>
-              <a:t>			</a:t>
-            </a:r>
-          </a:p>
-          <a:p>
-            <a:pPr marL="457200" lvl="1" indent="0">
-              <a:buNone/>
-            </a:pPr>
-            <a:r>
-              <a:rPr lang="en-US" altLang="ko-KR" sz="2400" dirty="0"/>
-              <a:t>	</a:t>
-            </a:r>
-          </a:p>
-        </p:txBody>
-      </p:sp>
-    </p:spTree>
-    <p:extLst>
-      <p:ext uri="{BB962C8B-B14F-4D97-AF65-F5344CB8AC3E}">
-        <p14:creationId xmlns:p14="http://schemas.microsoft.com/office/powerpoint/2010/main" val="2682673881"/>
-      </p:ext>
-    </p:extLst>
-  </p:cSld>
-  <p:clrMapOvr>
-    <a:masterClrMapping/>
-  </p:clrMapOvr>
-</p:sld>
-</file>
-
-<file path=ppt/slides/slide30.xml><?xml version="1.0" encoding="utf-8"?>
-<p:sld xmlns:a="http://schemas.openxmlformats.org/drawingml/2006/main" xmlns:r="http://schemas.openxmlformats.org/officeDocument/2006/relationships" xmlns:p="http://schemas.openxmlformats.org/presentationml/2006/main">
-  <p:cSld>
-    <p:spTree>
-      <p:nvGrpSpPr>
-        <p:cNvPr id="1" name=""/>
-        <p:cNvGrpSpPr/>
-        <p:nvPr/>
-      </p:nvGrpSpPr>
-      <p:grpSpPr>
-        <a:xfrm>
-          <a:off x="0" y="0"/>
-          <a:ext cx="0" cy="0"/>
-          <a:chOff x="0" y="0"/>
-          <a:chExt cx="0" cy="0"/>
-        </a:xfrm>
-      </p:grpSpPr>
-      <p:sp>
-        <p:nvSpPr>
-          <p:cNvPr id="2" name="제목 1"/>
-          <p:cNvSpPr>
-            <a:spLocks noGrp="1"/>
-          </p:cNvSpPr>
-          <p:nvPr>
-            <p:ph type="title"/>
-          </p:nvPr>
-        </p:nvSpPr>
-        <p:spPr/>
-        <p:txBody>
-          <a:bodyPr/>
-          <a:lstStyle/>
-          <a:p>
-            <a:r>
-              <a:rPr lang="en-US" altLang="ko-KR" dirty="0"/>
               <a:t>Partition Camping</a:t>
             </a:r>
-            <a:endParaRPr lang="ko-KR" altLang="en-US" dirty="0"/>
-          </a:p>
-        </p:txBody>
-      </p:sp>
-      <p:sp>
-        <p:nvSpPr>
-          <p:cNvPr id="3" name="내용 개체 틀 2"/>
-          <p:cNvSpPr>
-            <a:spLocks noGrp="1"/>
-          </p:cNvSpPr>
-          <p:nvPr>
-            <p:ph idx="1"/>
-          </p:nvPr>
-        </p:nvSpPr>
-        <p:spPr/>
-        <p:txBody>
-          <a:bodyPr/>
-          <a:lstStyle/>
-          <a:p>
             <a:endParaRPr lang="ko-KR" altLang="en-US" dirty="0"/>
           </a:p>
         </p:txBody>
@@ -18698,7 +19005,141 @@
 </p:sld>
 </file>
 
-<file path=ppt/slides/slide31.xml><?xml version="1.0" encoding="utf-8"?>
+<file path=ppt/slides/slide33.xml><?xml version="1.0" encoding="utf-8"?>
+<p:sld xmlns:a="http://schemas.openxmlformats.org/drawingml/2006/main" xmlns:r="http://schemas.openxmlformats.org/officeDocument/2006/relationships" xmlns:p="http://schemas.openxmlformats.org/presentationml/2006/main">
+  <p:cSld>
+    <p:spTree>
+      <p:nvGrpSpPr>
+        <p:cNvPr id="1" name=""/>
+        <p:cNvGrpSpPr/>
+        <p:nvPr/>
+      </p:nvGrpSpPr>
+      <p:grpSpPr>
+        <a:xfrm>
+          <a:off x="0" y="0"/>
+          <a:ext cx="0" cy="0"/>
+          <a:chOff x="0" y="0"/>
+          <a:chExt cx="0" cy="0"/>
+        </a:xfrm>
+      </p:grpSpPr>
+      <p:sp>
+        <p:nvSpPr>
+          <p:cNvPr id="2" name="제목 1"/>
+          <p:cNvSpPr>
+            <a:spLocks noGrp="1"/>
+          </p:cNvSpPr>
+          <p:nvPr>
+            <p:ph type="title"/>
+          </p:nvPr>
+        </p:nvSpPr>
+        <p:spPr/>
+        <p:txBody>
+          <a:bodyPr/>
+          <a:lstStyle/>
+          <a:p>
+            <a:r>
+              <a:rPr lang="en-US" altLang="ko-KR" dirty="0"/>
+              <a:t>Partition Camping</a:t>
+            </a:r>
+            <a:endParaRPr lang="ko-KR" altLang="en-US" dirty="0"/>
+          </a:p>
+        </p:txBody>
+      </p:sp>
+      <p:sp>
+        <p:nvSpPr>
+          <p:cNvPr id="11" name="내용 개체 틀 2"/>
+          <p:cNvSpPr>
+            <a:spLocks noGrp="1"/>
+          </p:cNvSpPr>
+          <p:nvPr>
+            <p:ph idx="1"/>
+          </p:nvPr>
+        </p:nvSpPr>
+        <p:spPr>
+          <a:xfrm>
+            <a:off x="457200" y="1600200"/>
+            <a:ext cx="8229600" cy="4525963"/>
+          </a:xfrm>
+        </p:spPr>
+        <p:txBody>
+          <a:bodyPr/>
+          <a:lstStyle/>
+          <a:p>
+            <a:pPr marL="0" indent="0">
+              <a:buNone/>
+            </a:pPr>
+            <a:r>
+              <a:rPr lang="en-US" altLang="ko-KR" sz="2000" dirty="0"/>
+              <a:t>Requests to global memory are serviced by DRAM partitions. </a:t>
+            </a:r>
+          </a:p>
+          <a:p>
+            <a:pPr marL="0" indent="0">
+              <a:buNone/>
+            </a:pPr>
+            <a:r>
+              <a:rPr lang="en-US" altLang="ko-KR" sz="2000" dirty="0"/>
+              <a:t>Successive 256-byte regions of device memory are assigned to successive partitions. When using Cartesian coordinates to map thread blocks to</a:t>
+            </a:r>
+            <a:br>
+              <a:rPr lang="en-US" altLang="ko-KR" sz="2000" dirty="0"/>
+            </a:br>
+            <a:r>
+              <a:rPr lang="en-US" altLang="ko-KR" sz="2000" dirty="0"/>
+              <a:t>data blocks, global memory accesses may not be evenly distributed among DRAM partitions, and a phenomenon called </a:t>
+            </a:r>
+            <a:r>
+              <a:rPr lang="en-US" altLang="ko-KR" sz="2000" i="1" dirty="0"/>
+              <a:t>partition camping </a:t>
+            </a:r>
+            <a:r>
+              <a:rPr lang="en-US" altLang="ko-KR" sz="2000" dirty="0"/>
+              <a:t>may occur.</a:t>
+            </a:r>
+          </a:p>
+          <a:p>
+            <a:pPr marL="0" indent="0">
+              <a:buNone/>
+            </a:pPr>
+            <a:endParaRPr lang="en-US" altLang="ko-KR" sz="2000" dirty="0"/>
+          </a:p>
+          <a:p>
+            <a:pPr marL="0" indent="0">
+              <a:buNone/>
+            </a:pPr>
+            <a:r>
+              <a:rPr lang="en-US" altLang="ko-KR" sz="2000" dirty="0"/>
+              <a:t>In partition camping, memory requests are queued at some partitions while other partitions remain unused. Because the diagonal coordinate mapping causes non-linear mappings from thread blocks to the data blocks they process, </a:t>
+            </a:r>
+            <a:r>
+              <a:rPr lang="en-US" altLang="ko-KR" sz="2000" dirty="0" err="1"/>
+              <a:t>strided</a:t>
+            </a:r>
+            <a:r>
+              <a:rPr lang="en-US" altLang="ko-KR" sz="2000" dirty="0"/>
+              <a:t> accesses are unlikely to fall into a single partition, and performance improves as a result </a:t>
+            </a:r>
+            <a:br>
+              <a:rPr lang="en-US" altLang="ko-KR" sz="2000" dirty="0"/>
+            </a:br>
+            <a:endParaRPr lang="ko-KR" altLang="en-US" sz="2000" dirty="0"/>
+          </a:p>
+        </p:txBody>
+      </p:sp>
+    </p:spTree>
+    <p:extLst>
+      <p:ext uri="{BB962C8B-B14F-4D97-AF65-F5344CB8AC3E}">
+        <p14:creationId xmlns:p14="http://schemas.microsoft.com/office/powerpoint/2010/main" val="1924897400"/>
+      </p:ext>
+    </p:extLst>
+  </p:cSld>
+  <p:clrMapOvr>
+    <a:masterClrMapping/>
+  </p:clrMapOvr>
+</p:sld>
+</file>
+
+<file path=ppt/slides/slide34.xml><?xml version="1.0" encoding="utf-8"?>
 <p:sld xmlns:a="http://schemas.openxmlformats.org/drawingml/2006/main" xmlns:r="http://schemas.openxmlformats.org/officeDocument/2006/relationships" xmlns:p="http://schemas.openxmlformats.org/presentationml/2006/main">
   <p:cSld>
     <p:spTree>
@@ -18794,120 +19235,6 @@
           </a:extLst>
         </p:spPr>
       </p:pic>
-      <p:sp>
-        <p:nvSpPr>
-          <p:cNvPr id="4" name="TextBox 3"/>
-          <p:cNvSpPr txBox="1"/>
-          <p:nvPr/>
-        </p:nvSpPr>
-        <p:spPr>
-          <a:xfrm>
-            <a:off x="4499992" y="5949280"/>
-            <a:ext cx="3888432" cy="861774"/>
-          </a:xfrm>
-          <a:prstGeom prst="rect">
-            <a:avLst/>
-          </a:prstGeom>
-          <a:noFill/>
-        </p:spPr>
-        <p:txBody>
-          <a:bodyPr wrap="square" rtlCol="0">
-            <a:spAutoFit/>
-          </a:bodyPr>
-          <a:lstStyle/>
-          <a:p>
-            <a:pPr marL="0" indent="0">
-              <a:buNone/>
-            </a:pPr>
-            <a:r>
-              <a:rPr lang="en-US" altLang="ko-KR" sz="1000" b="1" dirty="0">
-                <a:latin typeface="+mn-lt"/>
-              </a:rPr>
-              <a:t>Greg </a:t>
-            </a:r>
-            <a:r>
-              <a:rPr lang="en-US" altLang="ko-KR" sz="1000" b="1" dirty="0" err="1">
-                <a:latin typeface="+mn-lt"/>
-              </a:rPr>
-              <a:t>Ruetsch</a:t>
-            </a:r>
-            <a:r>
-              <a:rPr lang="en-US" altLang="ko-KR" sz="1000" b="1" dirty="0">
-                <a:latin typeface="+mn-lt"/>
-              </a:rPr>
-              <a:t> and </a:t>
-            </a:r>
-            <a:r>
-              <a:rPr lang="en-US" altLang="ko-KR" sz="1000" b="1" dirty="0" err="1">
-                <a:latin typeface="+mn-lt"/>
-              </a:rPr>
-              <a:t>Paulis</a:t>
-            </a:r>
-            <a:r>
-              <a:rPr lang="en-US" altLang="ko-KR" sz="1000" b="1" dirty="0">
-                <a:latin typeface="+mn-lt"/>
-              </a:rPr>
-              <a:t> </a:t>
-            </a:r>
-            <a:r>
-              <a:rPr lang="en-US" altLang="ko-KR" sz="1000" b="1" dirty="0" err="1">
-                <a:latin typeface="+mn-lt"/>
-              </a:rPr>
-              <a:t>Micikevicius</a:t>
-            </a:r>
-            <a:r>
-              <a:rPr lang="en-US" altLang="ko-KR" sz="1000" b="1" dirty="0">
-                <a:latin typeface="+mn-lt"/>
-              </a:rPr>
-              <a:t>,</a:t>
-            </a:r>
-            <a:endParaRPr lang="ko-KR" altLang="en-US" sz="1000" b="1" dirty="0">
-              <a:latin typeface="+mn-lt"/>
-            </a:endParaRPr>
-          </a:p>
-          <a:p>
-            <a:pPr marL="0" indent="0">
-              <a:buNone/>
-            </a:pPr>
-            <a:r>
-              <a:rPr lang="en-US" altLang="ko-KR" sz="1000" b="1" dirty="0">
-                <a:latin typeface="+mn-lt"/>
-              </a:rPr>
-              <a:t>	“Optimizing Matrix Transpose in CUDA,”</a:t>
-            </a:r>
-          </a:p>
-          <a:p>
-            <a:pPr marL="0" indent="0">
-              <a:buNone/>
-            </a:pPr>
-            <a:r>
-              <a:rPr lang="en-US" altLang="ko-KR" sz="1000" b="1" dirty="0">
-                <a:latin typeface="+mn-lt"/>
-              </a:rPr>
-              <a:t>	NVIDIA</a:t>
-            </a:r>
-            <a:r>
-              <a:rPr lang="en-US" altLang="ko-KR" sz="1000" dirty="0"/>
-              <a:t>.</a:t>
-            </a:r>
-          </a:p>
-          <a:p>
-            <a:pPr marL="0" indent="0">
-              <a:buNone/>
-            </a:pPr>
-            <a:r>
-              <a:rPr lang="en-US" altLang="ko-KR" sz="1000" dirty="0"/>
-              <a:t>	</a:t>
-            </a:r>
-            <a:endParaRPr lang="ko-KR" altLang="en-US" sz="1000" dirty="0"/>
-          </a:p>
-          <a:p>
-            <a:endParaRPr lang="ko-KR" altLang="en-US" sz="1000" dirty="0">
-              <a:latin typeface="+mn-lt"/>
-            </a:endParaRPr>
-          </a:p>
-        </p:txBody>
-      </p:sp>
     </p:spTree>
     <p:extLst>
       <p:ext uri="{BB962C8B-B14F-4D97-AF65-F5344CB8AC3E}">
@@ -18921,7 +19248,7 @@
 </p:sld>
 </file>
 
-<file path=ppt/slides/slide32.xml><?xml version="1.0" encoding="utf-8"?>
+<file path=ppt/slides/slide35.xml><?xml version="1.0" encoding="utf-8"?>
 <p:sld xmlns:a="http://schemas.openxmlformats.org/drawingml/2006/main" xmlns:r="http://schemas.openxmlformats.org/officeDocument/2006/relationships" xmlns:p="http://schemas.openxmlformats.org/presentationml/2006/main">
   <p:cSld>
     <p:spTree>
@@ -19787,7 +20114,7 @@
 </p:sld>
 </file>
 
-<file path=ppt/slides/slide33.xml><?xml version="1.0" encoding="utf-8"?>
+<file path=ppt/slides/slide36.xml><?xml version="1.0" encoding="utf-8"?>
 <p:sld xmlns:a="http://schemas.openxmlformats.org/drawingml/2006/main" xmlns:r="http://schemas.openxmlformats.org/officeDocument/2006/relationships" xmlns:p="http://schemas.openxmlformats.org/presentationml/2006/main">
   <p:cSld>
     <p:spTree>
@@ -19991,6 +20318,106 @@
           </a:p>
         </p:txBody>
       </p:sp>
+      <p:sp>
+        <p:nvSpPr>
+          <p:cNvPr id="5" name="TextBox 4"/>
+          <p:cNvSpPr txBox="1"/>
+          <p:nvPr/>
+        </p:nvSpPr>
+        <p:spPr>
+          <a:xfrm>
+            <a:off x="1115616" y="5768380"/>
+            <a:ext cx="3888432" cy="553998"/>
+          </a:xfrm>
+          <a:prstGeom prst="rect">
+            <a:avLst/>
+          </a:prstGeom>
+          <a:noFill/>
+        </p:spPr>
+        <p:txBody>
+          <a:bodyPr wrap="square" rtlCol="0">
+            <a:spAutoFit/>
+          </a:bodyPr>
+          <a:lstStyle/>
+          <a:p>
+            <a:r>
+              <a:rPr lang="en-US" altLang="ko-KR" sz="1000" dirty="0">
+                <a:latin typeface="+mn-lt"/>
+              </a:rPr>
+              <a:t>diagonal coordinate </a:t>
+            </a:r>
+          </a:p>
+          <a:p>
+            <a:r>
+              <a:rPr lang="en-US" altLang="ko-KR" sz="1000" dirty="0">
+                <a:latin typeface="+mn-lt"/>
+              </a:rPr>
+              <a:t>Read by row : use 3 partition each time</a:t>
+            </a:r>
+          </a:p>
+          <a:p>
+            <a:r>
+              <a:rPr lang="en-US" altLang="ko-KR" sz="1000" dirty="0">
+                <a:latin typeface="+mn-lt"/>
+              </a:rPr>
+              <a:t>Write by column : use 3 partition each time</a:t>
+            </a:r>
+            <a:endParaRPr lang="ko-KR" altLang="en-US" sz="1000" dirty="0">
+              <a:latin typeface="+mn-lt"/>
+            </a:endParaRPr>
+          </a:p>
+        </p:txBody>
+      </p:sp>
+      <p:sp>
+        <p:nvSpPr>
+          <p:cNvPr id="6" name="TextBox 5"/>
+          <p:cNvSpPr txBox="1"/>
+          <p:nvPr/>
+        </p:nvSpPr>
+        <p:spPr>
+          <a:xfrm>
+            <a:off x="1043608" y="2873635"/>
+            <a:ext cx="3888432" cy="553998"/>
+          </a:xfrm>
+          <a:prstGeom prst="rect">
+            <a:avLst/>
+          </a:prstGeom>
+          <a:noFill/>
+        </p:spPr>
+        <p:txBody>
+          <a:bodyPr wrap="square" rtlCol="0">
+            <a:spAutoFit/>
+          </a:bodyPr>
+          <a:lstStyle/>
+          <a:p>
+            <a:r>
+              <a:rPr lang="en-US" altLang="ko-KR" sz="1000" dirty="0">
+                <a:latin typeface="+mn-lt"/>
+              </a:rPr>
+              <a:t>Cartesian coordinate </a:t>
+            </a:r>
+          </a:p>
+          <a:p>
+            <a:r>
+              <a:rPr lang="en-US" altLang="ko-KR" sz="1000" dirty="0">
+                <a:latin typeface="+mn-lt"/>
+              </a:rPr>
+              <a:t>Read by row : use 3 partition each time</a:t>
+            </a:r>
+          </a:p>
+          <a:p>
+            <a:r>
+              <a:rPr lang="en-US" altLang="ko-KR" sz="1000" dirty="0">
+                <a:latin typeface="+mn-lt"/>
+              </a:rPr>
+              <a:t>Write by column : use 1 partition each time</a:t>
+            </a:r>
+            <a:endParaRPr lang="ko-KR" altLang="en-US" sz="1000" dirty="0">
+              <a:latin typeface="+mn-lt"/>
+            </a:endParaRPr>
+          </a:p>
+        </p:txBody>
+      </p:sp>
     </p:spTree>
     <p:extLst>
       <p:ext uri="{BB962C8B-B14F-4D97-AF65-F5344CB8AC3E}">
@@ -20004,7 +20431,7 @@
 </p:sld>
 </file>
 
-<file path=ppt/slides/slide34.xml><?xml version="1.0" encoding="utf-8"?>
+<file path=ppt/slides/slide37.xml><?xml version="1.0" encoding="utf-8"?>
 <p:sld xmlns:a="http://schemas.openxmlformats.org/drawingml/2006/main" xmlns:r="http://schemas.openxmlformats.org/officeDocument/2006/relationships" xmlns:p="http://schemas.openxmlformats.org/presentationml/2006/main">
   <p:cSld>
     <p:spTree>
@@ -21022,7 +21449,7 @@
 </p:sld>
 </file>
 
-<file path=ppt/slides/slide35.xml><?xml version="1.0" encoding="utf-8"?>
+<file path=ppt/slides/slide38.xml><?xml version="1.0" encoding="utf-8"?>
 <p:sld xmlns:a="http://schemas.openxmlformats.org/drawingml/2006/main" xmlns:r="http://schemas.openxmlformats.org/officeDocument/2006/relationships" xmlns:p="http://schemas.openxmlformats.org/presentationml/2006/main">
   <p:cSld>
     <p:spTree>
@@ -21072,13 +21499,13 @@
             <p:ph idx="1"/>
             <p:extLst>
               <p:ext uri="{D42A27DB-BD31-4B8C-83A1-F6EECF244321}">
-                <p14:modId xmlns:p14="http://schemas.microsoft.com/office/powerpoint/2010/main" val="674653526"/>
+                <p14:modId xmlns:p14="http://schemas.microsoft.com/office/powerpoint/2010/main" val="2479007040"/>
               </p:ext>
             </p:extLst>
           </p:nvPr>
         </p:nvGraphicFramePr>
         <p:xfrm>
-          <a:off x="2627784" y="1988840"/>
+          <a:off x="457200" y="2047218"/>
           <a:ext cx="3898776" cy="3744250"/>
         </p:xfrm>
         <a:graphic>
@@ -21535,6 +21962,61 @@
           </a:p>
         </p:txBody>
       </p:sp>
+      <p:sp>
+        <p:nvSpPr>
+          <p:cNvPr id="3" name="직사각형 2"/>
+          <p:cNvSpPr/>
+          <p:nvPr/>
+        </p:nvSpPr>
+        <p:spPr>
+          <a:xfrm>
+            <a:off x="4427984" y="2348880"/>
+            <a:ext cx="4572000" cy="2031325"/>
+          </a:xfrm>
+          <a:prstGeom prst="rect">
+            <a:avLst/>
+          </a:prstGeom>
+        </p:spPr>
+        <p:txBody>
+          <a:bodyPr>
+            <a:spAutoFit/>
+          </a:bodyPr>
+          <a:lstStyle/>
+          <a:p>
+            <a:r>
+              <a:rPr lang="en-US" altLang="ko-KR" dirty="0">
+                <a:solidFill>
+                  <a:srgbClr val="231F20"/>
+                </a:solidFill>
+                <a:latin typeface="SabonLTStd-Roman"/>
+              </a:rPr>
+              <a:t>A “thin” block improves the effectiveness of store operations by increasing the number of consecutive elements stored by a thread block as a result of a larger value in the innermost dimension of the thread block. Matrix transpose</a:t>
+            </a:r>
+            <a:r>
+              <a:rPr lang="ko-KR" altLang="en-US" dirty="0" err="1">
+                <a:solidFill>
+                  <a:srgbClr val="231F20"/>
+                </a:solidFill>
+                <a:latin typeface="SabonLTStd-Roman"/>
+              </a:rPr>
+              <a:t>할때의</a:t>
+            </a:r>
+            <a:r>
+              <a:rPr lang="ko-KR" altLang="en-US">
+                <a:solidFill>
+                  <a:srgbClr val="231F20"/>
+                </a:solidFill>
+                <a:latin typeface="SabonLTStd-Roman"/>
+              </a:rPr>
+              <a:t> 경우 </a:t>
+            </a:r>
+            <a:br>
+              <a:rPr lang="en-US" altLang="ko-KR" dirty="0"/>
+            </a:br>
+            <a:endParaRPr lang="ko-KR" altLang="en-US" dirty="0"/>
+          </a:p>
+        </p:txBody>
+      </p:sp>
     </p:spTree>
     <p:extLst>
       <p:ext uri="{BB962C8B-B14F-4D97-AF65-F5344CB8AC3E}">
@@ -21548,7 +22030,7 @@
 </p:sld>
 </file>
 
-<file path=ppt/slides/slide36.xml><?xml version="1.0" encoding="utf-8"?>
+<file path=ppt/slides/slide39.xml><?xml version="1.0" encoding="utf-8"?>
 <p:sld xmlns:a="http://schemas.openxmlformats.org/drawingml/2006/main" xmlns:r="http://schemas.openxmlformats.org/officeDocument/2006/relationships" xmlns:p="http://schemas.openxmlformats.org/presentationml/2006/main">
   <p:cSld>
     <p:spTree>
@@ -21680,7 +22162,7 @@
 </p:sld>
 </file>
 
-<file path=ppt/slides/slide37.xml><?xml version="1.0" encoding="utf-8"?>
+<file path=ppt/slides/slide4.xml><?xml version="1.0" encoding="utf-8"?>
 <p:sld xmlns:a="http://schemas.openxmlformats.org/drawingml/2006/main" xmlns:r="http://schemas.openxmlformats.org/officeDocument/2006/relationships" xmlns:p="http://schemas.openxmlformats.org/presentationml/2006/main">
   <p:cSld>
     <p:spTree>
@@ -21714,7 +22196,7 @@
           <a:p>
             <a:r>
               <a:rPr lang="en-US" altLang="ko-KR" dirty="0"/>
-              <a:t>Presentation on Mar. 30, 2017</a:t>
+              <a:t>Parallelism</a:t>
             </a:r>
             <a:endParaRPr lang="ko-KR" altLang="en-US" dirty="0"/>
           </a:p>
@@ -21736,6 +22218,177 @@
           <a:lstStyle/>
           <a:p>
             <a:r>
+              <a:rPr lang="en-US" altLang="ko-KR" sz="2400" dirty="0"/>
+              <a:t>Task Parallelism:</a:t>
+            </a:r>
+          </a:p>
+          <a:p>
+            <a:pPr marL="0" indent="0">
+              <a:buNone/>
+            </a:pPr>
+            <a:r>
+              <a:rPr lang="en-US" altLang="ko-KR" sz="2400" dirty="0"/>
+              <a:t>	It focuses on distributing functions across multiple cores.</a:t>
+            </a:r>
+          </a:p>
+          <a:p>
+            <a:r>
+              <a:rPr lang="en-US" altLang="ko-KR" sz="2400" dirty="0"/>
+              <a:t>Data Parallelism:</a:t>
+            </a:r>
+          </a:p>
+          <a:p>
+            <a:pPr marL="457200" lvl="1" indent="0">
+              <a:buNone/>
+            </a:pPr>
+            <a:r>
+              <a:rPr lang="en-US" altLang="ko-KR" sz="2400" dirty="0"/>
+              <a:t>	It focuses on distributing the data across multiple cores.</a:t>
+            </a:r>
+          </a:p>
+          <a:p>
+            <a:pPr marL="457200" lvl="1" indent="0">
+              <a:buNone/>
+            </a:pPr>
+            <a:r>
+              <a:rPr lang="en-US" altLang="ko-KR" sz="2400" dirty="0"/>
+              <a:t>	Data Partitions:</a:t>
+            </a:r>
+          </a:p>
+          <a:p>
+            <a:pPr marL="457200" lvl="1" indent="0">
+              <a:buNone/>
+            </a:pPr>
+            <a:r>
+              <a:rPr lang="en-US" altLang="ko-KR" sz="2400" dirty="0"/>
+              <a:t>		1.Block Partition: </a:t>
+            </a:r>
+          </a:p>
+          <a:p>
+            <a:pPr marL="457200" lvl="1" indent="0">
+              <a:buNone/>
+            </a:pPr>
+            <a:r>
+              <a:rPr lang="en-US" altLang="ko-KR" sz="2400" dirty="0"/>
+              <a:t>			Each thread takes one portion of data.</a:t>
+            </a:r>
+          </a:p>
+          <a:p>
+            <a:pPr marL="457200" lvl="1" indent="0">
+              <a:buNone/>
+            </a:pPr>
+            <a:r>
+              <a:rPr lang="en-US" altLang="ko-KR" sz="2400" dirty="0"/>
+              <a:t>		2.Cyclic Partition:</a:t>
+            </a:r>
+          </a:p>
+          <a:p>
+            <a:pPr marL="457200" lvl="1" indent="0">
+              <a:buNone/>
+            </a:pPr>
+            <a:r>
+              <a:rPr lang="en-US" altLang="ko-KR" sz="2400" dirty="0"/>
+              <a:t>			Each thread takes more than one portion </a:t>
+            </a:r>
+          </a:p>
+          <a:p>
+            <a:pPr marL="457200" lvl="1" indent="0">
+              <a:buNone/>
+            </a:pPr>
+            <a:r>
+              <a:rPr lang="en-US" altLang="ko-KR" sz="2400" dirty="0"/>
+              <a:t>				of the data.</a:t>
+            </a:r>
+          </a:p>
+          <a:p>
+            <a:pPr marL="457200" lvl="1" indent="0">
+              <a:buNone/>
+            </a:pPr>
+            <a:r>
+              <a:rPr lang="en-US" altLang="ko-KR" sz="2400" dirty="0"/>
+              <a:t>			</a:t>
+            </a:r>
+          </a:p>
+          <a:p>
+            <a:pPr marL="457200" lvl="1" indent="0">
+              <a:buNone/>
+            </a:pPr>
+            <a:r>
+              <a:rPr lang="en-US" altLang="ko-KR" sz="2400" dirty="0"/>
+              <a:t>	</a:t>
+            </a:r>
+          </a:p>
+        </p:txBody>
+      </p:sp>
+    </p:spTree>
+    <p:extLst>
+      <p:ext uri="{BB962C8B-B14F-4D97-AF65-F5344CB8AC3E}">
+        <p14:creationId xmlns:p14="http://schemas.microsoft.com/office/powerpoint/2010/main" val="2682673881"/>
+      </p:ext>
+    </p:extLst>
+  </p:cSld>
+  <p:clrMapOvr>
+    <a:masterClrMapping/>
+  </p:clrMapOvr>
+</p:sld>
+</file>
+
+<file path=ppt/slides/slide40.xml><?xml version="1.0" encoding="utf-8"?>
+<p:sld xmlns:a="http://schemas.openxmlformats.org/drawingml/2006/main" xmlns:r="http://schemas.openxmlformats.org/officeDocument/2006/relationships" xmlns:p="http://schemas.openxmlformats.org/presentationml/2006/main">
+  <p:cSld>
+    <p:spTree>
+      <p:nvGrpSpPr>
+        <p:cNvPr id="1" name=""/>
+        <p:cNvGrpSpPr/>
+        <p:nvPr/>
+      </p:nvGrpSpPr>
+      <p:grpSpPr>
+        <a:xfrm>
+          <a:off x="0" y="0"/>
+          <a:ext cx="0" cy="0"/>
+          <a:chOff x="0" y="0"/>
+          <a:chExt cx="0" cy="0"/>
+        </a:xfrm>
+      </p:grpSpPr>
+      <p:sp>
+        <p:nvSpPr>
+          <p:cNvPr id="2" name="제목 1"/>
+          <p:cNvSpPr>
+            <a:spLocks noGrp="1"/>
+          </p:cNvSpPr>
+          <p:nvPr>
+            <p:ph type="title"/>
+          </p:nvPr>
+        </p:nvSpPr>
+        <p:spPr/>
+        <p:txBody>
+          <a:bodyPr/>
+          <a:lstStyle/>
+          <a:p>
+            <a:r>
+              <a:rPr lang="en-US" altLang="ko-KR" dirty="0"/>
+              <a:t>Presentation on Mar. 30, 2017</a:t>
+            </a:r>
+            <a:endParaRPr lang="ko-KR" altLang="en-US" dirty="0"/>
+          </a:p>
+        </p:txBody>
+      </p:sp>
+      <p:sp>
+        <p:nvSpPr>
+          <p:cNvPr id="3" name="내용 개체 틀 2"/>
+          <p:cNvSpPr>
+            <a:spLocks noGrp="1"/>
+          </p:cNvSpPr>
+          <p:nvPr>
+            <p:ph idx="1"/>
+          </p:nvPr>
+        </p:nvSpPr>
+        <p:spPr/>
+        <p:txBody>
+          <a:bodyPr/>
+          <a:lstStyle/>
+          <a:p>
+            <a:r>
               <a:rPr lang="ko-KR" altLang="en-US" dirty="0"/>
               <a:t>강상훈</a:t>
             </a:r>
@@ -21834,7 +22487,7 @@
 </p:sld>
 </file>
 
-<file path=ppt/slides/slide38.xml><?xml version="1.0" encoding="utf-8"?>
+<file path=ppt/slides/slide41.xml><?xml version="1.0" encoding="utf-8"?>
 <p:sld xmlns:a="http://schemas.openxmlformats.org/drawingml/2006/main" xmlns:r="http://schemas.openxmlformats.org/officeDocument/2006/relationships" xmlns:p="http://schemas.openxmlformats.org/presentationml/2006/main">
   <p:cSld>
     <p:spTree>
@@ -21939,111 +22592,6 @@
 </p:sld>
 </file>
 
-<file path=ppt/slides/slide4.xml><?xml version="1.0" encoding="utf-8"?>
-<p:sld xmlns:a="http://schemas.openxmlformats.org/drawingml/2006/main" xmlns:r="http://schemas.openxmlformats.org/officeDocument/2006/relationships" xmlns:p="http://schemas.openxmlformats.org/presentationml/2006/main">
-  <p:cSld>
-    <p:spTree>
-      <p:nvGrpSpPr>
-        <p:cNvPr id="1" name=""/>
-        <p:cNvGrpSpPr/>
-        <p:nvPr/>
-      </p:nvGrpSpPr>
-      <p:grpSpPr>
-        <a:xfrm>
-          <a:off x="0" y="0"/>
-          <a:ext cx="0" cy="0"/>
-          <a:chOff x="0" y="0"/>
-          <a:chExt cx="0" cy="0"/>
-        </a:xfrm>
-      </p:grpSpPr>
-      <p:sp>
-        <p:nvSpPr>
-          <p:cNvPr id="2" name="제목 1"/>
-          <p:cNvSpPr>
-            <a:spLocks noGrp="1"/>
-          </p:cNvSpPr>
-          <p:nvPr>
-            <p:ph type="title"/>
-          </p:nvPr>
-        </p:nvSpPr>
-        <p:spPr/>
-        <p:txBody>
-          <a:bodyPr/>
-          <a:lstStyle/>
-          <a:p>
-            <a:r>
-              <a:rPr lang="en-US" altLang="ko-KR" dirty="0"/>
-              <a:t>Latency Hiding</a:t>
-            </a:r>
-            <a:endParaRPr lang="ko-KR" altLang="en-US" dirty="0"/>
-          </a:p>
-        </p:txBody>
-      </p:sp>
-      <p:sp>
-        <p:nvSpPr>
-          <p:cNvPr id="3" name="내용 개체 틀 2"/>
-          <p:cNvSpPr>
-            <a:spLocks noGrp="1"/>
-          </p:cNvSpPr>
-          <p:nvPr>
-            <p:ph idx="1"/>
-          </p:nvPr>
-        </p:nvSpPr>
-        <p:spPr/>
-        <p:txBody>
-          <a:bodyPr/>
-          <a:lstStyle/>
-          <a:p>
-            <a:r>
-              <a:rPr lang="en-US" altLang="ko-KR" dirty="0"/>
-              <a:t>Instruction Latency: the number of clock cycles between an instruction being issued and being completed.</a:t>
-            </a:r>
-          </a:p>
-          <a:p>
-            <a:r>
-              <a:rPr lang="en-US" altLang="ko-KR" dirty="0"/>
-              <a:t>Latency:</a:t>
-            </a:r>
-          </a:p>
-          <a:p>
-            <a:pPr marL="0" indent="0">
-              <a:buNone/>
-            </a:pPr>
-            <a:r>
-              <a:rPr lang="en-US" altLang="ko-KR" dirty="0"/>
-              <a:t>	Arithmetic operations: 10~20 cycles</a:t>
-            </a:r>
-          </a:p>
-          <a:p>
-            <a:pPr marL="0" indent="0">
-              <a:buNone/>
-            </a:pPr>
-            <a:r>
-              <a:rPr lang="en-US" altLang="ko-KR" dirty="0"/>
-              <a:t>	Global Memory Access: 400~800 cycles.</a:t>
-            </a:r>
-          </a:p>
-          <a:p>
-            <a:pPr marL="0" indent="0">
-              <a:buNone/>
-            </a:pPr>
-            <a:endParaRPr lang="ko-KR" altLang="en-US" dirty="0"/>
-          </a:p>
-        </p:txBody>
-      </p:sp>
-    </p:spTree>
-    <p:extLst>
-      <p:ext uri="{BB962C8B-B14F-4D97-AF65-F5344CB8AC3E}">
-        <p14:creationId xmlns:p14="http://schemas.microsoft.com/office/powerpoint/2010/main" val="3980621572"/>
-      </p:ext>
-    </p:extLst>
-  </p:cSld>
-  <p:clrMapOvr>
-    <a:masterClrMapping/>
-  </p:clrMapOvr>
-</p:sld>
-</file>
-
 <file path=ppt/slides/slide5.xml><?xml version="1.0" encoding="utf-8"?>
 <p:sld xmlns:a="http://schemas.openxmlformats.org/drawingml/2006/main" xmlns:r="http://schemas.openxmlformats.org/officeDocument/2006/relationships" xmlns:p="http://schemas.openxmlformats.org/presentationml/2006/main">
   <p:cSld>
@@ -22078,7 +22626,7 @@
           <a:p>
             <a:r>
               <a:rPr lang="en-US" altLang="ko-KR" dirty="0"/>
-              <a:t>Little’s Law</a:t>
+              <a:t>Latency Hiding</a:t>
             </a:r>
             <a:endParaRPr lang="ko-KR" altLang="en-US" dirty="0"/>
           </a:p>
@@ -22100,6 +22648,111 @@
           <a:lstStyle/>
           <a:p>
             <a:r>
+              <a:rPr lang="en-US" altLang="ko-KR" dirty="0"/>
+              <a:t>Instruction Latency: the number of clock cycles between an instruction being issued and being completed.</a:t>
+            </a:r>
+          </a:p>
+          <a:p>
+            <a:r>
+              <a:rPr lang="en-US" altLang="ko-KR" dirty="0"/>
+              <a:t>Latency:</a:t>
+            </a:r>
+          </a:p>
+          <a:p>
+            <a:pPr marL="0" indent="0">
+              <a:buNone/>
+            </a:pPr>
+            <a:r>
+              <a:rPr lang="en-US" altLang="ko-KR" dirty="0"/>
+              <a:t>	Arithmetic operations: 10~20 cycles</a:t>
+            </a:r>
+          </a:p>
+          <a:p>
+            <a:pPr marL="0" indent="0">
+              <a:buNone/>
+            </a:pPr>
+            <a:r>
+              <a:rPr lang="en-US" altLang="ko-KR" dirty="0"/>
+              <a:t>	Global Memory Access: 400~800 cycles.</a:t>
+            </a:r>
+          </a:p>
+          <a:p>
+            <a:pPr marL="0" indent="0">
+              <a:buNone/>
+            </a:pPr>
+            <a:endParaRPr lang="ko-KR" altLang="en-US" dirty="0"/>
+          </a:p>
+        </p:txBody>
+      </p:sp>
+    </p:spTree>
+    <p:extLst>
+      <p:ext uri="{BB962C8B-B14F-4D97-AF65-F5344CB8AC3E}">
+        <p14:creationId xmlns:p14="http://schemas.microsoft.com/office/powerpoint/2010/main" val="3980621572"/>
+      </p:ext>
+    </p:extLst>
+  </p:cSld>
+  <p:clrMapOvr>
+    <a:masterClrMapping/>
+  </p:clrMapOvr>
+</p:sld>
+</file>
+
+<file path=ppt/slides/slide6.xml><?xml version="1.0" encoding="utf-8"?>
+<p:sld xmlns:a="http://schemas.openxmlformats.org/drawingml/2006/main" xmlns:r="http://schemas.openxmlformats.org/officeDocument/2006/relationships" xmlns:p="http://schemas.openxmlformats.org/presentationml/2006/main">
+  <p:cSld>
+    <p:spTree>
+      <p:nvGrpSpPr>
+        <p:cNvPr id="1" name=""/>
+        <p:cNvGrpSpPr/>
+        <p:nvPr/>
+      </p:nvGrpSpPr>
+      <p:grpSpPr>
+        <a:xfrm>
+          <a:off x="0" y="0"/>
+          <a:ext cx="0" cy="0"/>
+          <a:chOff x="0" y="0"/>
+          <a:chExt cx="0" cy="0"/>
+        </a:xfrm>
+      </p:grpSpPr>
+      <p:sp>
+        <p:nvSpPr>
+          <p:cNvPr id="2" name="제목 1"/>
+          <p:cNvSpPr>
+            <a:spLocks noGrp="1"/>
+          </p:cNvSpPr>
+          <p:nvPr>
+            <p:ph type="title"/>
+          </p:nvPr>
+        </p:nvSpPr>
+        <p:spPr/>
+        <p:txBody>
+          <a:bodyPr/>
+          <a:lstStyle/>
+          <a:p>
+            <a:r>
+              <a:rPr lang="en-US" altLang="ko-KR" dirty="0"/>
+              <a:t>Little’s Law</a:t>
+            </a:r>
+            <a:endParaRPr lang="ko-KR" altLang="en-US" dirty="0"/>
+          </a:p>
+        </p:txBody>
+      </p:sp>
+      <p:sp>
+        <p:nvSpPr>
+          <p:cNvPr id="3" name="내용 개체 틀 2"/>
+          <p:cNvSpPr>
+            <a:spLocks noGrp="1"/>
+          </p:cNvSpPr>
+          <p:nvPr>
+            <p:ph idx="1"/>
+          </p:nvPr>
+        </p:nvSpPr>
+        <p:spPr/>
+        <p:txBody>
+          <a:bodyPr/>
+          <a:lstStyle/>
+          <a:p>
+            <a:r>
               <a:rPr lang="en-US" altLang="ko-KR" b="1" dirty="0"/>
               <a:t>L</a:t>
             </a:r>
@@ -22219,7 +22872,7 @@
 </p:sld>
 </file>
 
-<file path=ppt/slides/slide6.xml><?xml version="1.0" encoding="utf-8"?>
+<file path=ppt/slides/slide7.xml><?xml version="1.0" encoding="utf-8"?>
 <p:sld xmlns:a="http://schemas.openxmlformats.org/drawingml/2006/main" xmlns:r="http://schemas.openxmlformats.org/officeDocument/2006/relationships" xmlns:p="http://schemas.openxmlformats.org/presentationml/2006/main">
   <p:cSld>
     <p:spTree>
@@ -22557,7 +23210,7 @@
 </p:sld>
 </file>
 
-<file path=ppt/slides/slide7.xml><?xml version="1.0" encoding="utf-8"?>
+<file path=ppt/slides/slide8.xml><?xml version="1.0" encoding="utf-8"?>
 <p:sld xmlns:a="http://schemas.openxmlformats.org/drawingml/2006/main" xmlns:r="http://schemas.openxmlformats.org/officeDocument/2006/relationships" xmlns:p="http://schemas.openxmlformats.org/presentationml/2006/main">
   <p:cSld>
     <p:spTree>
@@ -22977,7 +23630,7 @@
 </p:sld>
 </file>
 
-<file path=ppt/slides/slide8.xml><?xml version="1.0" encoding="utf-8"?>
+<file path=ppt/slides/slide9.xml><?xml version="1.0" encoding="utf-8"?>
 <p:sld xmlns:a="http://schemas.openxmlformats.org/drawingml/2006/main" xmlns:r="http://schemas.openxmlformats.org/officeDocument/2006/relationships" xmlns:p="http://schemas.openxmlformats.org/presentationml/2006/main">
   <p:cSld>
     <p:spTree>
@@ -23478,102 +24131,6 @@
     <p:extLst>
       <p:ext uri="{BB962C8B-B14F-4D97-AF65-F5344CB8AC3E}">
         <p14:creationId xmlns:p14="http://schemas.microsoft.com/office/powerpoint/2010/main" val="2718942586"/>
-      </p:ext>
-    </p:extLst>
-  </p:cSld>
-  <p:clrMapOvr>
-    <a:masterClrMapping/>
-  </p:clrMapOvr>
-</p:sld>
-</file>
-
-<file path=ppt/slides/slide9.xml><?xml version="1.0" encoding="utf-8"?>
-<p:sld xmlns:a="http://schemas.openxmlformats.org/drawingml/2006/main" xmlns:r="http://schemas.openxmlformats.org/officeDocument/2006/relationships" xmlns:p="http://schemas.openxmlformats.org/presentationml/2006/main">
-  <p:cSld>
-    <p:spTree>
-      <p:nvGrpSpPr>
-        <p:cNvPr id="1" name=""/>
-        <p:cNvGrpSpPr/>
-        <p:nvPr/>
-      </p:nvGrpSpPr>
-      <p:grpSpPr>
-        <a:xfrm>
-          <a:off x="0" y="0"/>
-          <a:ext cx="0" cy="0"/>
-          <a:chOff x="0" y="0"/>
-          <a:chExt cx="0" cy="0"/>
-        </a:xfrm>
-      </p:grpSpPr>
-      <p:sp>
-        <p:nvSpPr>
-          <p:cNvPr id="2" name="제목 1"/>
-          <p:cNvSpPr>
-            <a:spLocks noGrp="1"/>
-          </p:cNvSpPr>
-          <p:nvPr>
-            <p:ph type="title"/>
-          </p:nvPr>
-        </p:nvSpPr>
-        <p:spPr/>
-        <p:txBody>
-          <a:bodyPr/>
-          <a:lstStyle/>
-          <a:p>
-            <a:r>
-              <a:rPr lang="en-US" altLang="ko-KR" sz="3600" dirty="0"/>
-              <a:t>Advantage of the unrolling loop?</a:t>
-            </a:r>
-            <a:endParaRPr lang="ko-KR" altLang="en-US" sz="3600" dirty="0"/>
-          </a:p>
-        </p:txBody>
-      </p:sp>
-      <p:sp>
-        <p:nvSpPr>
-          <p:cNvPr id="3" name="내용 개체 틀 2"/>
-          <p:cNvSpPr>
-            <a:spLocks noGrp="1"/>
-          </p:cNvSpPr>
-          <p:nvPr>
-            <p:ph idx="1"/>
-          </p:nvPr>
-        </p:nvSpPr>
-        <p:spPr/>
-        <p:txBody>
-          <a:bodyPr/>
-          <a:lstStyle/>
-          <a:p>
-            <a:r>
-              <a:rPr lang="en-US" altLang="ko-KR" sz="2400" dirty="0"/>
-              <a:t>In the unrolled loop, the condition </a:t>
-            </a:r>
-            <a:r>
-              <a:rPr lang="en-US" altLang="ko-KR" sz="2400" dirty="0" err="1"/>
-              <a:t>i</a:t>
-            </a:r>
-            <a:r>
-              <a:rPr lang="en-US" altLang="ko-KR" sz="2400" dirty="0"/>
-              <a:t>&lt;100 is only checked 25 times instead of 100 times.</a:t>
-            </a:r>
-          </a:p>
-          <a:p>
-            <a:r>
-              <a:rPr lang="en-US" altLang="ko-KR" sz="2400" dirty="0"/>
-              <a:t>The reads and writes performed in each statement of each loop are independent, the memory operations can be issued simultaneously by the CPU.</a:t>
-            </a:r>
-          </a:p>
-          <a:p>
-            <a:r>
-              <a:rPr lang="en-US" altLang="ko-KR" sz="2400" dirty="0"/>
-              <a:t>Unrolling in CUDA, more concurrent operations are added to the pipeline leading to higher saturation of instruction and memory bandwidth. This provides the warp scheduler with more eligible warps that can help hide instruction or memory latency.</a:t>
-            </a:r>
-            <a:endParaRPr lang="ko-KR" altLang="en-US" sz="2400" dirty="0"/>
-          </a:p>
-        </p:txBody>
-      </p:sp>
-    </p:spTree>
-    <p:extLst>
-      <p:ext uri="{BB962C8B-B14F-4D97-AF65-F5344CB8AC3E}">
-        <p14:creationId xmlns:p14="http://schemas.microsoft.com/office/powerpoint/2010/main" val="1572394556"/>
       </p:ext>
     </p:extLst>
   </p:cSld>

--- a/gpu/EE817 Lecture 6 CUDA Global Memory.pptx
+++ b/gpu/EE817 Lecture 6 CUDA Global Memory.pptx
@@ -199,6 +199,10 @@
 </p:presentation>
 </file>
 
+<file path=ppt/revisionInfo.xml><?xml version="1.0" encoding="utf-8"?>
+<p1510:revInfo xmlns:a="http://schemas.openxmlformats.org/drawingml/2006/main" xmlns:r="http://schemas.openxmlformats.org/officeDocument/2006/relationships" xmlns:p1510="http://schemas.microsoft.com/office/powerpoint/2015/10/main"/>
+</file>
+
 <file path=ppt/handoutMasters/handoutMaster1.xml><?xml version="1.0" encoding="utf-8"?>
 <p:handoutMaster xmlns:a="http://schemas.openxmlformats.org/drawingml/2006/main" xmlns:r="http://schemas.openxmlformats.org/officeDocument/2006/relationships" xmlns:p="http://schemas.openxmlformats.org/presentationml/2006/main">
   <p:cSld>
@@ -281,7 +285,7 @@
           <a:p>
             <a:fld id="{0958D145-3F61-4970-8B92-DDA610F3EB4F}" type="datetimeFigureOut">
               <a:rPr lang="ko-KR" altLang="en-US" smtClean="0"/>
-              <a:t>2017-04-18</a:t>
+              <a:t>2017-06-14</a:t>
             </a:fld>
             <a:endParaRPr lang="ko-KR" altLang="en-US" dirty="0"/>
           </a:p>
@@ -476,7 +480,7 @@
               <a:pPr>
                 <a:defRPr/>
               </a:pPr>
-              <a:t>2017-04-17</a:t>
+              <a:t>2017-06-14</a:t>
             </a:fld>
             <a:endParaRPr lang="ko-KR" altLang="en-US" dirty="0"/>
           </a:p>
@@ -1248,7 +1252,7 @@
               <a:pPr>
                 <a:defRPr/>
               </a:pPr>
-              <a:t>4/17/2017</a:t>
+              <a:t>6/14/2017</a:t>
             </a:fld>
             <a:endParaRPr lang="en-US" altLang="ko-KR" dirty="0"/>
           </a:p>
@@ -1450,7 +1454,7 @@
               <a:pPr>
                 <a:defRPr/>
               </a:pPr>
-              <a:t>4/17/2017</a:t>
+              <a:t>6/14/2017</a:t>
             </a:fld>
             <a:endParaRPr lang="en-US" altLang="ko-KR" dirty="0"/>
           </a:p>
@@ -1883,7 +1887,7 @@
               <a:pPr>
                 <a:defRPr/>
               </a:pPr>
-              <a:t>4/17/2017</a:t>
+              <a:t>6/14/2017</a:t>
             </a:fld>
             <a:endParaRPr lang="en-US" altLang="ko-KR" dirty="0"/>
           </a:p>
@@ -2080,7 +2084,7 @@
               <a:pPr>
                 <a:defRPr/>
               </a:pPr>
-              <a:t>4/17/2017</a:t>
+              <a:t>6/14/2017</a:t>
             </a:fld>
             <a:endParaRPr lang="en-US" altLang="ko-KR" dirty="0"/>
           </a:p>
@@ -2595,7 +2599,7 @@
               <a:pPr>
                 <a:defRPr/>
               </a:pPr>
-              <a:t>4/17/2017</a:t>
+              <a:t>6/14/2017</a:t>
             </a:fld>
             <a:endParaRPr lang="en-US" altLang="ko-KR" dirty="0"/>
           </a:p>
@@ -2910,7 +2914,7 @@
               <a:pPr>
                 <a:defRPr/>
               </a:pPr>
-              <a:t>4/17/2017</a:t>
+              <a:t>6/14/2017</a:t>
             </a:fld>
             <a:endParaRPr lang="en-US" altLang="ko-KR" dirty="0"/>
           </a:p>
@@ -3413,7 +3417,7 @@
               <a:pPr>
                 <a:defRPr/>
               </a:pPr>
-              <a:t>4/17/2017</a:t>
+              <a:t>6/14/2017</a:t>
             </a:fld>
             <a:endParaRPr lang="en-US" altLang="ko-KR" dirty="0"/>
           </a:p>
@@ -3801,7 +3805,7 @@
               <a:pPr>
                 <a:defRPr/>
               </a:pPr>
-              <a:t>4/17/2017</a:t>
+              <a:t>6/14/2017</a:t>
             </a:fld>
             <a:endParaRPr lang="en-US" altLang="ko-KR" dirty="0"/>
           </a:p>
@@ -4259,7 +4263,7 @@
               <a:pPr>
                 <a:defRPr/>
               </a:pPr>
-              <a:t>4/17/2017</a:t>
+              <a:t>6/14/2017</a:t>
             </a:fld>
             <a:endParaRPr lang="en-US" altLang="ko-KR" dirty="0"/>
           </a:p>
@@ -4557,7 +4561,7 @@
               <a:pPr>
                 <a:defRPr/>
               </a:pPr>
-              <a:t>4/17/2017</a:t>
+              <a:t>6/14/2017</a:t>
             </a:fld>
             <a:endParaRPr lang="en-US" altLang="ko-KR" dirty="0"/>
           </a:p>
@@ -4887,7 +4891,7 @@
               <a:pPr>
                 <a:defRPr/>
               </a:pPr>
-              <a:t>4/17/2017</a:t>
+              <a:t>6/14/2017</a:t>
             </a:fld>
             <a:endParaRPr lang="en-US" altLang="ko-KR" dirty="0"/>
           </a:p>
@@ -5405,7 +5409,7 @@
               <a:pPr>
                 <a:defRPr/>
               </a:pPr>
-              <a:t>4/17/2017</a:t>
+              <a:t>6/14/2017</a:t>
             </a:fld>
             <a:endParaRPr lang="en-US" altLang="ko-KR" dirty="0"/>
           </a:p>
@@ -22047,25 +22051,6 @@
           <a:chExt cx="0" cy="0"/>
         </a:xfrm>
       </p:grpSpPr>
-      <p:sp>
-        <p:nvSpPr>
-          <p:cNvPr id="2" name="제목 1"/>
-          <p:cNvSpPr>
-            <a:spLocks noGrp="1"/>
-          </p:cNvSpPr>
-          <p:nvPr>
-            <p:ph type="title"/>
-          </p:nvPr>
-        </p:nvSpPr>
-        <p:spPr/>
-        <p:txBody>
-          <a:bodyPr/>
-          <a:lstStyle/>
-          <a:p>
-            <a:endParaRPr lang="ko-KR" altLang="en-US"/>
-          </a:p>
-        </p:txBody>
-      </p:sp>
       <p:sp>
         <p:nvSpPr>
           <p:cNvPr id="3" name="내용 개체 틀 2"/>
